--- a/Modelica WS 18_19_V3_edited_by_harry.pptx
+++ b/Modelica WS 18_19_V3_edited_by_harry.pptx
@@ -7,20 +7,21 @@
     <p:sldMasterId id="2147483681" r:id="rId3"/>
   </p:sldMasterIdLst>
   <p:notesMasterIdLst>
-    <p:notesMasterId r:id="rId12"/>
+    <p:notesMasterId r:id="rId13"/>
   </p:notesMasterIdLst>
   <p:handoutMasterIdLst>
-    <p:handoutMasterId r:id="rId13"/>
+    <p:handoutMasterId r:id="rId14"/>
   </p:handoutMasterIdLst>
   <p:sldIdLst>
     <p:sldId id="268" r:id="rId4"/>
     <p:sldId id="295" r:id="rId5"/>
-    <p:sldId id="293" r:id="rId6"/>
-    <p:sldId id="294" r:id="rId7"/>
-    <p:sldId id="283" r:id="rId8"/>
-    <p:sldId id="287" r:id="rId9"/>
-    <p:sldId id="289" r:id="rId10"/>
-    <p:sldId id="286" r:id="rId11"/>
+    <p:sldId id="297" r:id="rId6"/>
+    <p:sldId id="293" r:id="rId7"/>
+    <p:sldId id="294" r:id="rId8"/>
+    <p:sldId id="296" r:id="rId9"/>
+    <p:sldId id="287" r:id="rId10"/>
+    <p:sldId id="289" r:id="rId11"/>
+    <p:sldId id="286" r:id="rId12"/>
   </p:sldIdLst>
   <p:sldSz cx="9906000" cy="6858000" type="A4"/>
   <p:notesSz cx="6858000" cy="9144000"/>
@@ -212,7 +213,7 @@
           <a:p>
             <a:fld id="{9A3AFE3A-2CA8-F64E-AFD3-48D0B181CB4E}" type="datetimeFigureOut">
               <a:rPr lang="de-DE" smtClean="0"/>
-              <a:t>16.12.2018</a:t>
+              <a:t>17.12.2018</a:t>
             </a:fld>
             <a:endParaRPr lang="de-DE"/>
           </a:p>
@@ -377,7 +378,7 @@
           <a:p>
             <a:fld id="{24E4A54A-5FDC-3640-9346-2A564B830E0C}" type="datetimeFigureOut">
               <a:rPr lang="de-DE" smtClean="0"/>
-              <a:t>16.12.2018</a:t>
+              <a:t>17.12.2018</a:t>
             </a:fld>
             <a:endParaRPr lang="de-DE"/>
           </a:p>
@@ -5258,6 +5259,141 @@
       </p:grpSpPr>
       <p:sp>
         <p:nvSpPr>
+          <p:cNvPr id="2" name="Titel 1">
+            <a:extLst>
+              <a:ext uri="{FF2B5EF4-FFF2-40B4-BE49-F238E27FC236}">
+                <a16:creationId xmlns:a16="http://schemas.microsoft.com/office/drawing/2014/main" id="{62B2CB28-5798-4F4F-8947-AF1037FA5687}"/>
+              </a:ext>
+            </a:extLst>
+          </p:cNvPr>
+          <p:cNvSpPr>
+            <a:spLocks noGrp="1"/>
+          </p:cNvSpPr>
+          <p:nvPr>
+            <p:ph type="title"/>
+          </p:nvPr>
+        </p:nvSpPr>
+        <p:spPr/>
+        <p:txBody>
+          <a:bodyPr/>
+          <a:lstStyle/>
+          <a:p>
+            <a:endParaRPr lang="en-DE"/>
+          </a:p>
+        </p:txBody>
+      </p:sp>
+      <p:sp>
+        <p:nvSpPr>
+          <p:cNvPr id="3" name="Inhaltsplatzhalter 2">
+            <a:extLst>
+              <a:ext uri="{FF2B5EF4-FFF2-40B4-BE49-F238E27FC236}">
+                <a16:creationId xmlns:a16="http://schemas.microsoft.com/office/drawing/2014/main" id="{96637076-7588-4B85-8203-43CFE9B839DA}"/>
+              </a:ext>
+            </a:extLst>
+          </p:cNvPr>
+          <p:cNvSpPr>
+            <a:spLocks noGrp="1"/>
+          </p:cNvSpPr>
+          <p:nvPr>
+            <p:ph idx="1"/>
+          </p:nvPr>
+        </p:nvSpPr>
+        <p:spPr/>
+        <p:txBody>
+          <a:bodyPr/>
+          <a:lstStyle/>
+          <a:p>
+            <a:r>
+              <a:rPr lang="en-US" dirty="0"/>
+              <a:t>Auf </a:t>
+            </a:r>
+            <a:r>
+              <a:rPr lang="en-US" dirty="0" err="1"/>
+              <a:t>plakat</a:t>
+            </a:r>
+            <a:r>
+              <a:rPr lang="en-US" dirty="0"/>
+              <a:t> </a:t>
+            </a:r>
+            <a:r>
+              <a:rPr lang="en-US" dirty="0" err="1"/>
+              <a:t>eingehen</a:t>
+            </a:r>
+            <a:endParaRPr lang="en-US" dirty="0"/>
+          </a:p>
+          <a:p>
+            <a:r>
+              <a:rPr lang="en-US" dirty="0" err="1"/>
+              <a:t>Aufgabenstellung</a:t>
+            </a:r>
+            <a:endParaRPr lang="en-US" dirty="0"/>
+          </a:p>
+          <a:p>
+            <a:r>
+              <a:rPr lang="en-US" dirty="0" err="1"/>
+              <a:t>informationskondensation</a:t>
+            </a:r>
+            <a:endParaRPr lang="en-DE" dirty="0"/>
+          </a:p>
+        </p:txBody>
+      </p:sp>
+      <p:sp>
+        <p:nvSpPr>
+          <p:cNvPr id="4" name="Inhaltsplatzhalter 3">
+            <a:extLst>
+              <a:ext uri="{FF2B5EF4-FFF2-40B4-BE49-F238E27FC236}">
+                <a16:creationId xmlns:a16="http://schemas.microsoft.com/office/drawing/2014/main" id="{0557415F-4456-4577-BC63-DE60CF1AC322}"/>
+              </a:ext>
+            </a:extLst>
+          </p:cNvPr>
+          <p:cNvSpPr>
+            <a:spLocks noGrp="1"/>
+          </p:cNvSpPr>
+          <p:nvPr>
+            <p:ph idx="10"/>
+          </p:nvPr>
+        </p:nvSpPr>
+        <p:spPr/>
+        <p:txBody>
+          <a:bodyPr/>
+          <a:lstStyle/>
+          <a:p>
+            <a:endParaRPr lang="en-DE"/>
+          </a:p>
+        </p:txBody>
+      </p:sp>
+    </p:spTree>
+    <p:extLst>
+      <p:ext uri="{BB962C8B-B14F-4D97-AF65-F5344CB8AC3E}">
+        <p14:creationId xmlns:p14="http://schemas.microsoft.com/office/powerpoint/2010/main" val="911871053"/>
+      </p:ext>
+    </p:extLst>
+  </p:cSld>
+  <p:clrMapOvr>
+    <a:masterClrMapping/>
+  </p:clrMapOvr>
+</p:sld>
+</file>
+
+<file path=ppt/slides/slide4.xml><?xml version="1.0" encoding="utf-8"?>
+<p:sld xmlns:a="http://schemas.openxmlformats.org/drawingml/2006/main" xmlns:r="http://schemas.openxmlformats.org/officeDocument/2006/relationships" xmlns:p="http://schemas.openxmlformats.org/presentationml/2006/main">
+  <p:cSld>
+    <p:spTree>
+      <p:nvGrpSpPr>
+        <p:cNvPr id="1" name=""/>
+        <p:cNvGrpSpPr/>
+        <p:nvPr/>
+      </p:nvGrpSpPr>
+      <p:grpSpPr>
+        <a:xfrm>
+          <a:off x="0" y="0"/>
+          <a:ext cx="0" cy="0"/>
+          <a:chOff x="0" y="0"/>
+          <a:chExt cx="0" cy="0"/>
+        </a:xfrm>
+      </p:grpSpPr>
+      <p:sp>
+        <p:nvSpPr>
           <p:cNvPr id="3" name="Inhaltsplatzhalter 2">
             <a:extLst>
               <a:ext uri="{FF2B5EF4-FFF2-40B4-BE49-F238E27FC236}">
@@ -5390,7 +5526,7 @@
 </p:sld>
 </file>
 
-<file path=ppt/slides/slide4.xml><?xml version="1.0" encoding="utf-8"?>
+<file path=ppt/slides/slide5.xml><?xml version="1.0" encoding="utf-8"?>
 <p:sld xmlns:a="http://schemas.openxmlformats.org/drawingml/2006/main" xmlns:r="http://schemas.openxmlformats.org/officeDocument/2006/relationships" xmlns:p="http://schemas.openxmlformats.org/presentationml/2006/main">
   <p:cSld>
     <p:spTree>
@@ -5544,7 +5680,7 @@
 </p:sld>
 </file>
 
-<file path=ppt/slides/slide5.xml><?xml version="1.0" encoding="utf-8"?>
+<file path=ppt/slides/slide6.xml><?xml version="1.0" encoding="utf-8"?>
 <p:sld xmlns:a="http://schemas.openxmlformats.org/drawingml/2006/main" xmlns:r="http://schemas.openxmlformats.org/officeDocument/2006/relationships" xmlns:p="http://schemas.openxmlformats.org/presentationml/2006/main">
   <p:cSld>
     <p:spTree>
@@ -5563,7 +5699,13 @@
       </p:grpSpPr>
       <p:sp>
         <p:nvSpPr>
-          <p:cNvPr id="2" name="Titel 1"/>
+          <p:cNvPr id="2" name="Titel 1">
+            <a:extLst>
+              <a:ext uri="{FF2B5EF4-FFF2-40B4-BE49-F238E27FC236}">
+                <a16:creationId xmlns:a16="http://schemas.microsoft.com/office/drawing/2014/main" id="{A623D952-D912-4746-A463-9AE3D2916176}"/>
+              </a:ext>
+            </a:extLst>
+          </p:cNvPr>
           <p:cNvSpPr>
             <a:spLocks noGrp="1"/>
           </p:cNvSpPr>
@@ -5576,16 +5718,19 @@
           <a:bodyPr/>
           <a:lstStyle/>
           <a:p>
-            <a:r>
-              <a:rPr lang="de-DE" dirty="0"/>
-              <a:t>Aufbau der Bibliothek</a:t>
-            </a:r>
+            <a:endParaRPr lang="en-DE"/>
           </a:p>
         </p:txBody>
       </p:sp>
       <p:sp>
         <p:nvSpPr>
-          <p:cNvPr id="3" name="Inhaltsplatzhalter 2"/>
+          <p:cNvPr id="3" name="Inhaltsplatzhalter 2">
+            <a:extLst>
+              <a:ext uri="{FF2B5EF4-FFF2-40B4-BE49-F238E27FC236}">
+                <a16:creationId xmlns:a16="http://schemas.microsoft.com/office/drawing/2014/main" id="{A3BA7DDC-165B-4757-87DF-95E087A08E25}"/>
+              </a:ext>
+            </a:extLst>
+          </p:cNvPr>
           <p:cNvSpPr>
             <a:spLocks noGrp="1"/>
           </p:cNvSpPr>
@@ -5598,22 +5743,70 @@
           <a:bodyPr/>
           <a:lstStyle/>
           <a:p>
-            <a:endParaRPr lang="de-DE" sz="1800" dirty="0"/>
-          </a:p>
-          <a:p>
-            <a:endParaRPr lang="de-DE" sz="1800" dirty="0"/>
-          </a:p>
-          <a:p>
-            <a:endParaRPr lang="de-DE" sz="1800" dirty="0"/>
-          </a:p>
-          <a:p>
-            <a:endParaRPr lang="de-DE" sz="1800" dirty="0"/>
+            <a:r>
+              <a:rPr lang="en-US" dirty="0" err="1"/>
+              <a:t>Freie</a:t>
+            </a:r>
+            <a:r>
+              <a:rPr lang="en-US" dirty="0"/>
+              <a:t> </a:t>
+            </a:r>
+            <a:r>
+              <a:rPr lang="en-US" dirty="0" err="1"/>
+              <a:t>konvektion</a:t>
+            </a:r>
+            <a:r>
+              <a:rPr lang="en-US" dirty="0"/>
+              <a:t> </a:t>
+            </a:r>
+            <a:r>
+              <a:rPr lang="en-US" dirty="0" err="1"/>
+              <a:t>im</a:t>
+            </a:r>
+            <a:r>
+              <a:rPr lang="en-US" dirty="0"/>
+              <a:t> </a:t>
+            </a:r>
+            <a:r>
+              <a:rPr lang="en-US" dirty="0" err="1"/>
+              <a:t>inneren</a:t>
+            </a:r>
+            <a:endParaRPr lang="en-US" dirty="0"/>
+          </a:p>
+          <a:p>
+            <a:r>
+              <a:rPr lang="en-US" dirty="0" err="1"/>
+              <a:t>Austauschen</a:t>
+            </a:r>
+            <a:r>
+              <a:rPr lang="en-US" dirty="0"/>
+              <a:t> der </a:t>
+            </a:r>
+            <a:r>
+              <a:rPr lang="en-US" dirty="0" err="1"/>
+              <a:t>hausgeometrie</a:t>
+            </a:r>
+            <a:r>
+              <a:rPr lang="en-US" dirty="0"/>
+              <a:t> </a:t>
+            </a:r>
+            <a:r>
+              <a:rPr lang="en-US" dirty="0" err="1"/>
+              <a:t>möglich</a:t>
+            </a:r>
+            <a:endParaRPr lang="en-DE" dirty="0"/>
           </a:p>
         </p:txBody>
       </p:sp>
       <p:sp>
         <p:nvSpPr>
-          <p:cNvPr id="4" name="Inhaltsplatzhalter 3"/>
+          <p:cNvPr id="4" name="Inhaltsplatzhalter 3">
+            <a:extLst>
+              <a:ext uri="{FF2B5EF4-FFF2-40B4-BE49-F238E27FC236}">
+                <a16:creationId xmlns:a16="http://schemas.microsoft.com/office/drawing/2014/main" id="{7E471ABD-2AC7-4851-91E1-7161286FA2E9}"/>
+              </a:ext>
+            </a:extLst>
+          </p:cNvPr>
           <p:cNvSpPr>
             <a:spLocks noGrp="1"/>
           </p:cNvSpPr>
@@ -5626,139 +5819,46 @@
           <a:bodyPr/>
           <a:lstStyle/>
           <a:p>
-            <a:pPr marL="285750" indent="-285750">
-              <a:buFont typeface="Arial" panose="020B0604020202020204" pitchFamily="34" charset="0"/>
-              <a:buChar char="•"/>
-            </a:pPr>
-            <a:r>
-              <a:rPr lang="de-DE" dirty="0"/>
-              <a:t>Modelle</a:t>
-            </a:r>
-          </a:p>
-          <a:p>
-            <a:pPr marL="971550" lvl="1" indent="-285750"/>
-            <a:r>
-              <a:rPr lang="de-DE" sz="1600" dirty="0"/>
-              <a:t>Sonne </a:t>
-            </a:r>
-          </a:p>
-          <a:p>
-            <a:pPr marL="971550" lvl="1" indent="-285750"/>
-            <a:r>
-              <a:rPr lang="de-DE" sz="1600" dirty="0"/>
-              <a:t>Umgebung</a:t>
-            </a:r>
-          </a:p>
-          <a:p>
-            <a:pPr marL="971550" lvl="1" indent="-285750"/>
-            <a:r>
-              <a:rPr lang="de-DE" sz="1600" dirty="0"/>
-              <a:t>Haus:</a:t>
-            </a:r>
-          </a:p>
-          <a:p>
-            <a:pPr marL="1428750" lvl="2" indent="-285750"/>
-            <a:r>
-              <a:rPr lang="de-DE" sz="1200" dirty="0"/>
-              <a:t>Boden</a:t>
-            </a:r>
-          </a:p>
-          <a:p>
-            <a:pPr marL="1428750" lvl="2" indent="-285750"/>
-            <a:r>
-              <a:rPr lang="de-DE" sz="1200" dirty="0"/>
-              <a:t>Wand</a:t>
-            </a:r>
-          </a:p>
-          <a:p>
-            <a:pPr marL="1428750" lvl="2" indent="-285750"/>
-            <a:r>
-              <a:rPr lang="de-DE" sz="1200" dirty="0"/>
-              <a:t>Luft</a:t>
-            </a:r>
-          </a:p>
-          <a:p>
-            <a:pPr marL="1428750" lvl="2" indent="-285750"/>
-            <a:r>
-              <a:rPr lang="de-DE" sz="1200" dirty="0"/>
-              <a:t>Glas</a:t>
-            </a:r>
-          </a:p>
-          <a:p>
-            <a:pPr marL="1428750" lvl="2" indent="-285750"/>
-            <a:r>
-              <a:rPr lang="de-DE" sz="1200" dirty="0"/>
-              <a:t>Belüftung </a:t>
-            </a:r>
-          </a:p>
-          <a:p>
-            <a:pPr marL="285750" indent="-285750">
-              <a:buFont typeface="Arial" panose="020B0604020202020204" pitchFamily="34" charset="0"/>
-              <a:buChar char="•"/>
-            </a:pPr>
-            <a:r>
-              <a:rPr lang="de-DE" dirty="0" err="1"/>
-              <a:t>Connectoren</a:t>
-            </a:r>
-            <a:r>
-              <a:rPr lang="de-DE" dirty="0"/>
-              <a:t>:</a:t>
-            </a:r>
-          </a:p>
-          <a:p>
-            <a:pPr marL="971550" lvl="1" indent="-285750"/>
-            <a:r>
-              <a:rPr lang="de-DE" sz="1600" dirty="0"/>
-              <a:t>Wärmekondensator </a:t>
-            </a:r>
-          </a:p>
-          <a:p>
-            <a:pPr marL="971550" lvl="1" indent="-285750"/>
-            <a:r>
-              <a:rPr lang="de-DE" sz="1600" dirty="0"/>
-              <a:t>Wärmeleiter</a:t>
-            </a:r>
-          </a:p>
-          <a:p>
-            <a:pPr marL="971550" lvl="1" indent="-285750"/>
-            <a:r>
-              <a:rPr lang="de-DE" sz="1600" dirty="0"/>
-              <a:t>Strahlung</a:t>
-            </a:r>
-          </a:p>
-          <a:p>
-            <a:endParaRPr lang="de-DE" sz="1800" dirty="0"/>
+            <a:r>
+              <a:rPr lang="en-US" dirty="0" err="1"/>
+              <a:t>Strukturerklärung</a:t>
+            </a:r>
+            <a:endParaRPr lang="en-US" dirty="0"/>
+          </a:p>
+          <a:p>
+            <a:r>
+              <a:rPr lang="en-US" dirty="0" err="1"/>
+              <a:t>Innenleben</a:t>
+            </a:r>
+            <a:r>
+              <a:rPr lang="en-US" dirty="0"/>
+              <a:t> der </a:t>
+            </a:r>
+            <a:r>
+              <a:rPr lang="en-US" dirty="0" err="1"/>
+              <a:t>modelle</a:t>
+            </a:r>
+            <a:endParaRPr lang="en-US" dirty="0"/>
+          </a:p>
+          <a:p>
+            <a:r>
+              <a:rPr lang="en-US" dirty="0" err="1"/>
+              <a:t>Übergabe-größen</a:t>
+            </a:r>
+            <a:r>
+              <a:rPr lang="en-US" dirty="0"/>
+              <a:t> (input/outputs</a:t>
+            </a:r>
+          </a:p>
+          <a:p>
+            <a:endParaRPr lang="en-DE" dirty="0"/>
           </a:p>
         </p:txBody>
       </p:sp>
-      <p:pic>
-        <p:nvPicPr>
-          <p:cNvPr id="5" name="Grafik 4"/>
-          <p:cNvPicPr>
-            <a:picLocks noChangeAspect="1"/>
-          </p:cNvPicPr>
-          <p:nvPr/>
-        </p:nvPicPr>
-        <p:blipFill>
-          <a:blip r:embed="rId2"/>
-          <a:stretch>
-            <a:fillRect/>
-          </a:stretch>
-        </p:blipFill>
-        <p:spPr>
-          <a:xfrm>
-            <a:off x="1713572" y="1493570"/>
-            <a:ext cx="1704975" cy="3467100"/>
-          </a:xfrm>
-          <a:prstGeom prst="rect">
-            <a:avLst/>
-          </a:prstGeom>
-        </p:spPr>
-      </p:pic>
     </p:spTree>
     <p:extLst>
       <p:ext uri="{BB962C8B-B14F-4D97-AF65-F5344CB8AC3E}">
-        <p14:creationId xmlns:p14="http://schemas.microsoft.com/office/powerpoint/2010/main" val="3653264029"/>
+        <p14:creationId xmlns:p14="http://schemas.microsoft.com/office/powerpoint/2010/main" val="1746216588"/>
       </p:ext>
     </p:extLst>
   </p:cSld>
@@ -5768,7 +5868,7 @@
 </p:sld>
 </file>
 
-<file path=ppt/slides/slide6.xml><?xml version="1.0" encoding="utf-8"?>
+<file path=ppt/slides/slide7.xml><?xml version="1.0" encoding="utf-8"?>
 <p:sld xmlns:a="http://schemas.openxmlformats.org/drawingml/2006/main" xmlns:r="http://schemas.openxmlformats.org/officeDocument/2006/relationships" xmlns:p="http://schemas.openxmlformats.org/presentationml/2006/main">
   <p:cSld>
     <p:spTree>
@@ -5842,7 +5942,7 @@
 </p:sld>
 </file>
 
-<file path=ppt/slides/slide7.xml><?xml version="1.0" encoding="utf-8"?>
+<file path=ppt/slides/slide8.xml><?xml version="1.0" encoding="utf-8"?>
 <p:sld xmlns:a="http://schemas.openxmlformats.org/drawingml/2006/main" xmlns:r="http://schemas.openxmlformats.org/officeDocument/2006/relationships" xmlns:p="http://schemas.openxmlformats.org/presentationml/2006/main">
   <p:cSld>
     <p:spTree>
@@ -5916,7 +6016,7 @@
 </p:sld>
 </file>
 
-<file path=ppt/slides/slide8.xml><?xml version="1.0" encoding="utf-8"?>
+<file path=ppt/slides/slide9.xml><?xml version="1.0" encoding="utf-8"?>
 <p:sld xmlns:a="http://schemas.openxmlformats.org/drawingml/2006/main" xmlns:r="http://schemas.openxmlformats.org/officeDocument/2006/relationships" xmlns:p="http://schemas.openxmlformats.org/presentationml/2006/main">
   <p:cSld>
     <p:spTree>

--- a/Modelica WS 18_19_V3_edited_by_harry.pptx
+++ b/Modelica WS 18_19_V3_edited_by_harry.pptx
@@ -7,21 +7,20 @@
     <p:sldMasterId id="2147483681" r:id="rId3"/>
   </p:sldMasterIdLst>
   <p:notesMasterIdLst>
-    <p:notesMasterId r:id="rId13"/>
+    <p:notesMasterId r:id="rId12"/>
   </p:notesMasterIdLst>
   <p:handoutMasterIdLst>
-    <p:handoutMasterId r:id="rId14"/>
+    <p:handoutMasterId r:id="rId13"/>
   </p:handoutMasterIdLst>
   <p:sldIdLst>
     <p:sldId id="268" r:id="rId4"/>
     <p:sldId id="295" r:id="rId5"/>
-    <p:sldId id="297" r:id="rId6"/>
-    <p:sldId id="293" r:id="rId7"/>
-    <p:sldId id="294" r:id="rId8"/>
-    <p:sldId id="296" r:id="rId9"/>
-    <p:sldId id="287" r:id="rId10"/>
-    <p:sldId id="289" r:id="rId11"/>
-    <p:sldId id="286" r:id="rId12"/>
+    <p:sldId id="300" r:id="rId6"/>
+    <p:sldId id="299" r:id="rId7"/>
+    <p:sldId id="293" r:id="rId8"/>
+    <p:sldId id="301" r:id="rId9"/>
+    <p:sldId id="294" r:id="rId10"/>
+    <p:sldId id="287" r:id="rId11"/>
   </p:sldIdLst>
   <p:sldSz cx="9906000" cy="6858000" type="A4"/>
   <p:notesSz cx="6858000" cy="9144000"/>
@@ -643,6 +642,503 @@
     </a:lvl9pPr>
   </p:notesStyle>
 </p:notesMaster>
+</file>
+
+<file path=ppt/notesSlides/notesSlide1.xml><?xml version="1.0" encoding="utf-8"?>
+<p:notes xmlns:a="http://schemas.openxmlformats.org/drawingml/2006/main" xmlns:r="http://schemas.openxmlformats.org/officeDocument/2006/relationships" xmlns:p="http://schemas.openxmlformats.org/presentationml/2006/main">
+  <p:cSld>
+    <p:spTree>
+      <p:nvGrpSpPr>
+        <p:cNvPr id="1" name=""/>
+        <p:cNvGrpSpPr/>
+        <p:nvPr/>
+      </p:nvGrpSpPr>
+      <p:grpSpPr>
+        <a:xfrm>
+          <a:off x="0" y="0"/>
+          <a:ext cx="0" cy="0"/>
+          <a:chOff x="0" y="0"/>
+          <a:chExt cx="0" cy="0"/>
+        </a:xfrm>
+      </p:grpSpPr>
+      <p:sp>
+        <p:nvSpPr>
+          <p:cNvPr id="2" name="Folienbildplatzhalter 1"/>
+          <p:cNvSpPr>
+            <a:spLocks noGrp="1" noRot="1" noChangeAspect="1"/>
+          </p:cNvSpPr>
+          <p:nvPr>
+            <p:ph type="sldImg"/>
+          </p:nvPr>
+        </p:nvSpPr>
+        <p:spPr/>
+      </p:sp>
+      <p:sp>
+        <p:nvSpPr>
+          <p:cNvPr id="3" name="Notizenplatzhalter 2"/>
+          <p:cNvSpPr>
+            <a:spLocks noGrp="1"/>
+          </p:cNvSpPr>
+          <p:nvPr>
+            <p:ph type="body" idx="1"/>
+          </p:nvPr>
+        </p:nvSpPr>
+        <p:spPr/>
+        <p:txBody>
+          <a:bodyPr/>
+          <a:lstStyle/>
+          <a:p>
+            <a:pPr marL="171450" marR="0" lvl="0" indent="-171450" algn="l" defTabSz="914400" rtl="0" eaLnBrk="1" fontAlgn="auto" latinLnBrk="0" hangingPunct="1">
+              <a:lnSpc>
+                <a:spcPct val="100000"/>
+              </a:lnSpc>
+              <a:spcBef>
+                <a:spcPts val="0"/>
+              </a:spcBef>
+              <a:spcAft>
+                <a:spcPts val="0"/>
+              </a:spcAft>
+              <a:buClrTx/>
+              <a:buSzTx/>
+              <a:buFontTx/>
+              <a:buChar char="-"/>
+              <a:tabLst/>
+              <a:defRPr/>
+            </a:pPr>
+            <a:r>
+              <a:rPr lang="en-US" dirty="0"/>
+              <a:t>auf </a:t>
+            </a:r>
+            <a:r>
+              <a:rPr lang="en-US" dirty="0" err="1"/>
+              <a:t>plakat</a:t>
+            </a:r>
+            <a:r>
+              <a:rPr lang="en-US" dirty="0"/>
+              <a:t> </a:t>
+            </a:r>
+            <a:r>
+              <a:rPr lang="en-US" dirty="0" err="1"/>
+              <a:t>eingehen</a:t>
+            </a:r>
+            <a:endParaRPr lang="en-US" dirty="0"/>
+          </a:p>
+          <a:p>
+            <a:pPr marL="171450" marR="0" lvl="0" indent="-171450" algn="l" defTabSz="914400" rtl="0" eaLnBrk="1" fontAlgn="auto" latinLnBrk="0" hangingPunct="1">
+              <a:lnSpc>
+                <a:spcPct val="100000"/>
+              </a:lnSpc>
+              <a:spcBef>
+                <a:spcPts val="0"/>
+              </a:spcBef>
+              <a:spcAft>
+                <a:spcPts val="0"/>
+              </a:spcAft>
+              <a:buClrTx/>
+              <a:buSzTx/>
+              <a:buFontTx/>
+              <a:buChar char="-"/>
+              <a:tabLst/>
+              <a:defRPr/>
+            </a:pPr>
+            <a:r>
+              <a:rPr lang="en-US" dirty="0" err="1"/>
+              <a:t>Aufgabenstellung</a:t>
+            </a:r>
+            <a:endParaRPr lang="en-US" dirty="0"/>
+          </a:p>
+          <a:p>
+            <a:pPr marL="171450" marR="0" lvl="0" indent="-171450" algn="l" defTabSz="914400" rtl="0" eaLnBrk="1" fontAlgn="auto" latinLnBrk="0" hangingPunct="1">
+              <a:lnSpc>
+                <a:spcPct val="100000"/>
+              </a:lnSpc>
+              <a:spcBef>
+                <a:spcPts val="0"/>
+              </a:spcBef>
+              <a:spcAft>
+                <a:spcPts val="0"/>
+              </a:spcAft>
+              <a:buClrTx/>
+              <a:buSzTx/>
+              <a:buFontTx/>
+              <a:buChar char="-"/>
+              <a:tabLst/>
+              <a:defRPr/>
+            </a:pPr>
+            <a:r>
+              <a:rPr lang="en-US" dirty="0" err="1"/>
+              <a:t>informationskondensation</a:t>
+            </a:r>
+            <a:endParaRPr lang="en-US" dirty="0"/>
+          </a:p>
+          <a:p>
+            <a:pPr marL="171450" marR="0" lvl="0" indent="-171450" algn="l" defTabSz="914400" rtl="0" eaLnBrk="1" fontAlgn="auto" latinLnBrk="0" hangingPunct="1">
+              <a:lnSpc>
+                <a:spcPct val="100000"/>
+              </a:lnSpc>
+              <a:spcBef>
+                <a:spcPts val="0"/>
+              </a:spcBef>
+              <a:spcAft>
+                <a:spcPts val="0"/>
+              </a:spcAft>
+              <a:buClrTx/>
+              <a:buSzTx/>
+              <a:buFontTx/>
+              <a:buChar char="-"/>
+              <a:tabLst/>
+              <a:defRPr/>
+            </a:pPr>
+            <a:endParaRPr lang="en-US" dirty="0"/>
+          </a:p>
+          <a:p>
+            <a:endParaRPr lang="de-DE" dirty="0"/>
+          </a:p>
+        </p:txBody>
+      </p:sp>
+      <p:sp>
+        <p:nvSpPr>
+          <p:cNvPr id="4" name="Foliennummernplatzhalter 3"/>
+          <p:cNvSpPr>
+            <a:spLocks noGrp="1"/>
+          </p:cNvSpPr>
+          <p:nvPr>
+            <p:ph type="sldNum" sz="quarter" idx="5"/>
+          </p:nvPr>
+        </p:nvSpPr>
+        <p:spPr/>
+        <p:txBody>
+          <a:bodyPr/>
+          <a:lstStyle/>
+          <a:p>
+            <a:fld id="{95B8625A-4FE3-C044-A0AF-218DCEFA6327}" type="slidenum">
+              <a:rPr lang="de-DE" smtClean="0"/>
+              <a:t>2</a:t>
+            </a:fld>
+            <a:endParaRPr lang="de-DE"/>
+          </a:p>
+        </p:txBody>
+      </p:sp>
+    </p:spTree>
+    <p:extLst>
+      <p:ext uri="{BB962C8B-B14F-4D97-AF65-F5344CB8AC3E}">
+        <p14:creationId xmlns:p14="http://schemas.microsoft.com/office/powerpoint/2010/main" val="1461034813"/>
+      </p:ext>
+    </p:extLst>
+  </p:cSld>
+  <p:clrMapOvr>
+    <a:masterClrMapping/>
+  </p:clrMapOvr>
+</p:notes>
+</file>
+
+<file path=ppt/notesSlides/notesSlide2.xml><?xml version="1.0" encoding="utf-8"?>
+<p:notes xmlns:a="http://schemas.openxmlformats.org/drawingml/2006/main" xmlns:r="http://schemas.openxmlformats.org/officeDocument/2006/relationships" xmlns:p="http://schemas.openxmlformats.org/presentationml/2006/main">
+  <p:cSld>
+    <p:spTree>
+      <p:nvGrpSpPr>
+        <p:cNvPr id="1" name=""/>
+        <p:cNvGrpSpPr/>
+        <p:nvPr/>
+      </p:nvGrpSpPr>
+      <p:grpSpPr>
+        <a:xfrm>
+          <a:off x="0" y="0"/>
+          <a:ext cx="0" cy="0"/>
+          <a:chOff x="0" y="0"/>
+          <a:chExt cx="0" cy="0"/>
+        </a:xfrm>
+      </p:grpSpPr>
+      <p:sp>
+        <p:nvSpPr>
+          <p:cNvPr id="2" name="Folienbildplatzhalter 1"/>
+          <p:cNvSpPr>
+            <a:spLocks noGrp="1" noRot="1" noChangeAspect="1"/>
+          </p:cNvSpPr>
+          <p:nvPr>
+            <p:ph type="sldImg"/>
+          </p:nvPr>
+        </p:nvSpPr>
+        <p:spPr/>
+      </p:sp>
+      <p:sp>
+        <p:nvSpPr>
+          <p:cNvPr id="3" name="Notizenplatzhalter 2"/>
+          <p:cNvSpPr>
+            <a:spLocks noGrp="1"/>
+          </p:cNvSpPr>
+          <p:nvPr>
+            <p:ph type="body" idx="1"/>
+          </p:nvPr>
+        </p:nvSpPr>
+        <p:spPr/>
+        <p:txBody>
+          <a:bodyPr/>
+          <a:lstStyle/>
+          <a:p>
+            <a:endParaRPr lang="de-DE" dirty="0"/>
+          </a:p>
+        </p:txBody>
+      </p:sp>
+      <p:sp>
+        <p:nvSpPr>
+          <p:cNvPr id="4" name="Foliennummernplatzhalter 3"/>
+          <p:cNvSpPr>
+            <a:spLocks noGrp="1"/>
+          </p:cNvSpPr>
+          <p:nvPr>
+            <p:ph type="sldNum" sz="quarter" idx="5"/>
+          </p:nvPr>
+        </p:nvSpPr>
+        <p:spPr/>
+        <p:txBody>
+          <a:bodyPr/>
+          <a:lstStyle/>
+          <a:p>
+            <a:fld id="{95B8625A-4FE3-C044-A0AF-218DCEFA6327}" type="slidenum">
+              <a:rPr lang="de-DE" smtClean="0"/>
+              <a:t>3</a:t>
+            </a:fld>
+            <a:endParaRPr lang="de-DE"/>
+          </a:p>
+        </p:txBody>
+      </p:sp>
+    </p:spTree>
+    <p:extLst>
+      <p:ext uri="{BB962C8B-B14F-4D97-AF65-F5344CB8AC3E}">
+        <p14:creationId xmlns:p14="http://schemas.microsoft.com/office/powerpoint/2010/main" val="109862878"/>
+      </p:ext>
+    </p:extLst>
+  </p:cSld>
+  <p:clrMapOvr>
+    <a:masterClrMapping/>
+  </p:clrMapOvr>
+</p:notes>
+</file>
+
+<file path=ppt/notesSlides/notesSlide3.xml><?xml version="1.0" encoding="utf-8"?>
+<p:notes xmlns:a="http://schemas.openxmlformats.org/drawingml/2006/main" xmlns:r="http://schemas.openxmlformats.org/officeDocument/2006/relationships" xmlns:p="http://schemas.openxmlformats.org/presentationml/2006/main">
+  <p:cSld>
+    <p:spTree>
+      <p:nvGrpSpPr>
+        <p:cNvPr id="1" name=""/>
+        <p:cNvGrpSpPr/>
+        <p:nvPr/>
+      </p:nvGrpSpPr>
+      <p:grpSpPr>
+        <a:xfrm>
+          <a:off x="0" y="0"/>
+          <a:ext cx="0" cy="0"/>
+          <a:chOff x="0" y="0"/>
+          <a:chExt cx="0" cy="0"/>
+        </a:xfrm>
+      </p:grpSpPr>
+      <p:sp>
+        <p:nvSpPr>
+          <p:cNvPr id="2" name="Folienbildplatzhalter 1"/>
+          <p:cNvSpPr>
+            <a:spLocks noGrp="1" noRot="1" noChangeAspect="1"/>
+          </p:cNvSpPr>
+          <p:nvPr>
+            <p:ph type="sldImg"/>
+          </p:nvPr>
+        </p:nvSpPr>
+        <p:spPr/>
+      </p:sp>
+      <p:sp>
+        <p:nvSpPr>
+          <p:cNvPr id="3" name="Notizenplatzhalter 2"/>
+          <p:cNvSpPr>
+            <a:spLocks noGrp="1"/>
+          </p:cNvSpPr>
+          <p:nvPr>
+            <p:ph type="body" idx="1"/>
+          </p:nvPr>
+        </p:nvSpPr>
+        <p:spPr/>
+        <p:txBody>
+          <a:bodyPr/>
+          <a:lstStyle/>
+          <a:p>
+            <a:pPr marL="171450" indent="-171450">
+              <a:buFontTx/>
+              <a:buChar char="-"/>
+            </a:pPr>
+            <a:r>
+              <a:rPr lang="en-US" dirty="0" err="1"/>
+              <a:t>Strukturerklärung</a:t>
+            </a:r>
+            <a:endParaRPr lang="en-US" dirty="0"/>
+          </a:p>
+          <a:p>
+            <a:pPr marL="171450" marR="0" lvl="0" indent="-171450" algn="l" defTabSz="914400" rtl="0" eaLnBrk="1" fontAlgn="auto" latinLnBrk="0" hangingPunct="1">
+              <a:lnSpc>
+                <a:spcPct val="100000"/>
+              </a:lnSpc>
+              <a:spcBef>
+                <a:spcPts val="0"/>
+              </a:spcBef>
+              <a:spcAft>
+                <a:spcPts val="0"/>
+              </a:spcAft>
+              <a:buClrTx/>
+              <a:buSzTx/>
+              <a:buFontTx/>
+              <a:buChar char="-"/>
+              <a:tabLst/>
+              <a:defRPr/>
+            </a:pPr>
+            <a:r>
+              <a:rPr lang="en-US" dirty="0" err="1"/>
+              <a:t>Innenleben</a:t>
+            </a:r>
+            <a:r>
+              <a:rPr lang="en-US" dirty="0"/>
+              <a:t> der </a:t>
+            </a:r>
+            <a:r>
+              <a:rPr lang="en-US" dirty="0" err="1"/>
+              <a:t>modelle</a:t>
+            </a:r>
+            <a:endParaRPr lang="en-US" dirty="0"/>
+          </a:p>
+          <a:p>
+            <a:pPr marL="171450" marR="0" lvl="0" indent="-171450" algn="l" defTabSz="914400" rtl="0" eaLnBrk="1" fontAlgn="auto" latinLnBrk="0" hangingPunct="1">
+              <a:lnSpc>
+                <a:spcPct val="100000"/>
+              </a:lnSpc>
+              <a:spcBef>
+                <a:spcPts val="0"/>
+              </a:spcBef>
+              <a:spcAft>
+                <a:spcPts val="0"/>
+              </a:spcAft>
+              <a:buClrTx/>
+              <a:buSzTx/>
+              <a:buFontTx/>
+              <a:buChar char="-"/>
+              <a:tabLst/>
+              <a:defRPr/>
+            </a:pPr>
+            <a:r>
+              <a:rPr lang="en-US" dirty="0" err="1"/>
+              <a:t>Übergabe-Größen</a:t>
+            </a:r>
+            <a:r>
+              <a:rPr lang="en-US" dirty="0"/>
+              <a:t> (input/outputs)</a:t>
+            </a:r>
+          </a:p>
+          <a:p>
+            <a:pPr marL="171450" marR="0" lvl="0" indent="-171450" algn="l" defTabSz="914400" rtl="0" eaLnBrk="1" fontAlgn="auto" latinLnBrk="0" hangingPunct="1">
+              <a:lnSpc>
+                <a:spcPct val="100000"/>
+              </a:lnSpc>
+              <a:spcBef>
+                <a:spcPts val="0"/>
+              </a:spcBef>
+              <a:spcAft>
+                <a:spcPts val="0"/>
+              </a:spcAft>
+              <a:buClrTx/>
+              <a:buSzTx/>
+              <a:buFontTx/>
+              <a:buChar char="-"/>
+              <a:tabLst/>
+              <a:defRPr/>
+            </a:pPr>
+            <a:r>
+              <a:rPr lang="en-US" dirty="0" err="1"/>
+              <a:t>Austauschen</a:t>
+            </a:r>
+            <a:r>
+              <a:rPr lang="en-US" dirty="0"/>
+              <a:t> der </a:t>
+            </a:r>
+            <a:r>
+              <a:rPr lang="en-US" dirty="0" err="1"/>
+              <a:t>hausgeometrie</a:t>
+            </a:r>
+            <a:r>
+              <a:rPr lang="en-US" dirty="0"/>
+              <a:t> </a:t>
+            </a:r>
+            <a:r>
+              <a:rPr lang="en-US" dirty="0" err="1"/>
+              <a:t>möglich</a:t>
+            </a:r>
+            <a:endParaRPr lang="en-DE" dirty="0"/>
+          </a:p>
+          <a:p>
+            <a:pPr marL="171450" marR="0" lvl="0" indent="-171450" algn="l" defTabSz="914400" rtl="0" eaLnBrk="1" fontAlgn="auto" latinLnBrk="0" hangingPunct="1">
+              <a:lnSpc>
+                <a:spcPct val="100000"/>
+              </a:lnSpc>
+              <a:spcBef>
+                <a:spcPts val="0"/>
+              </a:spcBef>
+              <a:spcAft>
+                <a:spcPts val="0"/>
+              </a:spcAft>
+              <a:buClrTx/>
+              <a:buSzTx/>
+              <a:buFontTx/>
+              <a:buChar char="-"/>
+              <a:tabLst/>
+              <a:defRPr/>
+            </a:pPr>
+            <a:endParaRPr lang="en-US" dirty="0"/>
+          </a:p>
+          <a:p>
+            <a:pPr marL="171450" indent="-171450">
+              <a:buFontTx/>
+              <a:buChar char="-"/>
+            </a:pPr>
+            <a:endParaRPr lang="en-US" dirty="0"/>
+          </a:p>
+          <a:p>
+            <a:pPr marL="171450" indent="-171450">
+              <a:buFontTx/>
+              <a:buChar char="-"/>
+            </a:pPr>
+            <a:endParaRPr lang="de-DE" dirty="0"/>
+          </a:p>
+        </p:txBody>
+      </p:sp>
+      <p:sp>
+        <p:nvSpPr>
+          <p:cNvPr id="4" name="Foliennummernplatzhalter 3"/>
+          <p:cNvSpPr>
+            <a:spLocks noGrp="1"/>
+          </p:cNvSpPr>
+          <p:nvPr>
+            <p:ph type="sldNum" sz="quarter" idx="5"/>
+          </p:nvPr>
+        </p:nvSpPr>
+        <p:spPr/>
+        <p:txBody>
+          <a:bodyPr/>
+          <a:lstStyle/>
+          <a:p>
+            <a:fld id="{95B8625A-4FE3-C044-A0AF-218DCEFA6327}" type="slidenum">
+              <a:rPr lang="de-DE" smtClean="0"/>
+              <a:t>8</a:t>
+            </a:fld>
+            <a:endParaRPr lang="de-DE"/>
+          </a:p>
+        </p:txBody>
+      </p:sp>
+    </p:spTree>
+    <p:extLst>
+      <p:ext uri="{BB962C8B-B14F-4D97-AF65-F5344CB8AC3E}">
+        <p14:creationId xmlns:p14="http://schemas.microsoft.com/office/powerpoint/2010/main" val="1357450761"/>
+      </p:ext>
+    </p:extLst>
+  </p:cSld>
+  <p:clrMapOvr>
+    <a:masterClrMapping/>
+  </p:clrMapOvr>
+</p:notes>
 </file>
 
 <file path=ppt/slideLayouts/slideLayout1.xml><?xml version="1.0" encoding="utf-8"?>
@@ -5041,7 +5537,7 @@
         <p:spPr>
           <a:xfrm>
             <a:off x="4560141" y="6581001"/>
-            <a:ext cx="5727033" cy="276999"/>
+            <a:ext cx="5727033" cy="253916"/>
           </a:xfrm>
           <a:prstGeom prst="rect">
             <a:avLst/>
@@ -5056,15 +5552,30 @@
           <a:p>
             <a:pPr algn="ctr"/>
             <a:r>
-              <a:rPr lang="de-DE" sz="1200" dirty="0"/>
+              <a:rPr lang="de-DE" sz="1050" dirty="0">
+                <a:solidFill>
+                  <a:srgbClr val="626254"/>
+                </a:solidFill>
+                <a:latin typeface="Arial" charset="0"/>
+              </a:rPr>
               <a:t>Gruppe 1: Cemil Baki, Heiko </a:t>
             </a:r>
             <a:r>
-              <a:rPr lang="de-DE" sz="1200" dirty="0" err="1"/>
+              <a:rPr lang="de-DE" sz="1050" dirty="0" err="1">
+                <a:solidFill>
+                  <a:srgbClr val="626254"/>
+                </a:solidFill>
+                <a:latin typeface="Arial" charset="0"/>
+              </a:rPr>
               <a:t>Bielik</a:t>
             </a:r>
             <a:r>
-              <a:rPr lang="de-DE" sz="1200" dirty="0"/>
+              <a:rPr lang="de-DE" sz="1050" dirty="0">
+                <a:solidFill>
+                  <a:srgbClr val="626254"/>
+                </a:solidFill>
+                <a:latin typeface="Arial" charset="0"/>
+              </a:rPr>
               <a:t>, Marcel Franzke, Michael Jilg, Harald Krauss</a:t>
             </a:r>
           </a:p>
@@ -5115,7 +5626,7 @@
           <p:nvPr/>
         </p:nvPicPr>
         <p:blipFill>
-          <a:blip r:embed="rId2"/>
+          <a:blip r:embed="rId3"/>
           <a:stretch>
             <a:fillRect/>
           </a:stretch>
@@ -5259,10 +5770,129 @@
       </p:grpSpPr>
       <p:sp>
         <p:nvSpPr>
-          <p:cNvPr id="2" name="Titel 1">
+          <p:cNvPr id="15" name="Freihandform: Form 14">
             <a:extLst>
               <a:ext uri="{FF2B5EF4-FFF2-40B4-BE49-F238E27FC236}">
-                <a16:creationId xmlns:a16="http://schemas.microsoft.com/office/drawing/2014/main" id="{62B2CB28-5798-4F4F-8947-AF1037FA5687}"/>
+                <a16:creationId xmlns:a16="http://schemas.microsoft.com/office/drawing/2014/main" id="{20056660-CB5F-42CB-B79F-D53C7E6A41A2}"/>
+              </a:ext>
+            </a:extLst>
+          </p:cNvPr>
+          <p:cNvSpPr/>
+          <p:nvPr/>
+        </p:nvSpPr>
+        <p:spPr>
+          <a:xfrm>
+            <a:off x="-116150" y="-185263"/>
+            <a:ext cx="10138299" cy="1731145"/>
+          </a:xfrm>
+          <a:custGeom>
+            <a:avLst/>
+            <a:gdLst>
+              <a:gd name="connsiteX0" fmla="*/ 17755 w 10138299"/>
+              <a:gd name="connsiteY0" fmla="*/ 568171 h 1731145"/>
+              <a:gd name="connsiteX1" fmla="*/ 0 w 10138299"/>
+              <a:gd name="connsiteY1" fmla="*/ 1162974 h 1731145"/>
+              <a:gd name="connsiteX2" fmla="*/ 4634144 w 10138299"/>
+              <a:gd name="connsiteY2" fmla="*/ 1731145 h 1731145"/>
+              <a:gd name="connsiteX3" fmla="*/ 10138299 w 10138299"/>
+              <a:gd name="connsiteY3" fmla="*/ 941033 h 1731145"/>
+              <a:gd name="connsiteX4" fmla="*/ 10129421 w 10138299"/>
+              <a:gd name="connsiteY4" fmla="*/ 497149 h 1731145"/>
+              <a:gd name="connsiteX5" fmla="*/ 5042516 w 10138299"/>
+              <a:gd name="connsiteY5" fmla="*/ 0 h 1731145"/>
+              <a:gd name="connsiteX6" fmla="*/ 17755 w 10138299"/>
+              <a:gd name="connsiteY6" fmla="*/ 568171 h 1731145"/>
+            </a:gdLst>
+            <a:ahLst/>
+            <a:cxnLst>
+              <a:cxn ang="0">
+                <a:pos x="connsiteX0" y="connsiteY0"/>
+              </a:cxn>
+              <a:cxn ang="0">
+                <a:pos x="connsiteX1" y="connsiteY1"/>
+              </a:cxn>
+              <a:cxn ang="0">
+                <a:pos x="connsiteX2" y="connsiteY2"/>
+              </a:cxn>
+              <a:cxn ang="0">
+                <a:pos x="connsiteX3" y="connsiteY3"/>
+              </a:cxn>
+              <a:cxn ang="0">
+                <a:pos x="connsiteX4" y="connsiteY4"/>
+              </a:cxn>
+              <a:cxn ang="0">
+                <a:pos x="connsiteX5" y="connsiteY5"/>
+              </a:cxn>
+              <a:cxn ang="0">
+                <a:pos x="connsiteX6" y="connsiteY6"/>
+              </a:cxn>
+            </a:cxnLst>
+            <a:rect l="l" t="t" r="r" b="b"/>
+            <a:pathLst>
+              <a:path w="10138299" h="1731145">
+                <a:moveTo>
+                  <a:pt x="17755" y="568171"/>
+                </a:moveTo>
+                <a:lnTo>
+                  <a:pt x="0" y="1162974"/>
+                </a:lnTo>
+                <a:lnTo>
+                  <a:pt x="4634144" y="1731145"/>
+                </a:lnTo>
+                <a:lnTo>
+                  <a:pt x="10138299" y="941033"/>
+                </a:lnTo>
+                <a:lnTo>
+                  <a:pt x="10129421" y="497149"/>
+                </a:lnTo>
+                <a:lnTo>
+                  <a:pt x="5042516" y="0"/>
+                </a:lnTo>
+                <a:lnTo>
+                  <a:pt x="17755" y="568171"/>
+                </a:lnTo>
+                <a:close/>
+              </a:path>
+            </a:pathLst>
+          </a:custGeom>
+          <a:solidFill>
+            <a:srgbClr val="CFCFCF"/>
+          </a:solidFill>
+          <a:ln>
+            <a:noFill/>
+          </a:ln>
+        </p:spPr>
+        <p:style>
+          <a:lnRef idx="2">
+            <a:schemeClr val="accent1">
+              <a:shade val="50000"/>
+            </a:schemeClr>
+          </a:lnRef>
+          <a:fillRef idx="1">
+            <a:schemeClr val="accent1"/>
+          </a:fillRef>
+          <a:effectRef idx="0">
+            <a:schemeClr val="accent1"/>
+          </a:effectRef>
+          <a:fontRef idx="minor">
+            <a:schemeClr val="lt1"/>
+          </a:fontRef>
+        </p:style>
+        <p:txBody>
+          <a:bodyPr rtlCol="0" anchor="ctr"/>
+          <a:lstStyle/>
+          <a:p>
+            <a:pPr algn="ctr"/>
+            <a:endParaRPr lang="de-DE"/>
+          </a:p>
+        </p:txBody>
+      </p:sp>
+      <p:sp>
+        <p:nvSpPr>
+          <p:cNvPr id="6" name="Titel 1">
+            <a:extLst>
+              <a:ext uri="{FF2B5EF4-FFF2-40B4-BE49-F238E27FC236}">
+                <a16:creationId xmlns:a16="http://schemas.microsoft.com/office/drawing/2014/main" id="{848D55A9-143D-4B68-8B02-2B49585E1B30}"/>
               </a:ext>
             </a:extLst>
           </p:cNvPr>
@@ -5273,99 +5903,57 @@
             <p:ph type="title"/>
           </p:nvPr>
         </p:nvSpPr>
-        <p:spPr/>
+        <p:spPr>
+          <a:xfrm>
+            <a:off x="1085849" y="600657"/>
+            <a:ext cx="7742267" cy="549271"/>
+          </a:xfrm>
+        </p:spPr>
         <p:txBody>
           <a:bodyPr/>
           <a:lstStyle/>
           <a:p>
-            <a:endParaRPr lang="en-DE"/>
+            <a:r>
+              <a:rPr lang="de-DE" dirty="0"/>
+              <a:t>der erste Prototyp</a:t>
+            </a:r>
           </a:p>
         </p:txBody>
       </p:sp>
-      <p:sp>
-        <p:nvSpPr>
-          <p:cNvPr id="3" name="Inhaltsplatzhalter 2">
+      <p:pic>
+        <p:nvPicPr>
+          <p:cNvPr id="8" name="Grafik 7">
             <a:extLst>
               <a:ext uri="{FF2B5EF4-FFF2-40B4-BE49-F238E27FC236}">
-                <a16:creationId xmlns:a16="http://schemas.microsoft.com/office/drawing/2014/main" id="{96637076-7588-4B85-8203-43CFE9B839DA}"/>
+                <a16:creationId xmlns:a16="http://schemas.microsoft.com/office/drawing/2014/main" id="{A6A5F21D-1950-4D36-9214-9296F6C3B297}"/>
               </a:ext>
             </a:extLst>
           </p:cNvPr>
-          <p:cNvSpPr>
-            <a:spLocks noGrp="1"/>
-          </p:cNvSpPr>
-          <p:nvPr>
-            <p:ph idx="1"/>
-          </p:nvPr>
-        </p:nvSpPr>
-        <p:spPr/>
-        <p:txBody>
-          <a:bodyPr/>
-          <a:lstStyle/>
-          <a:p>
-            <a:r>
-              <a:rPr lang="en-US" dirty="0"/>
-              <a:t>Auf </a:t>
-            </a:r>
-            <a:r>
-              <a:rPr lang="en-US" dirty="0" err="1"/>
-              <a:t>plakat</a:t>
-            </a:r>
-            <a:r>
-              <a:rPr lang="en-US" dirty="0"/>
-              <a:t> </a:t>
-            </a:r>
-            <a:r>
-              <a:rPr lang="en-US" dirty="0" err="1"/>
-              <a:t>eingehen</a:t>
-            </a:r>
-            <a:endParaRPr lang="en-US" dirty="0"/>
-          </a:p>
-          <a:p>
-            <a:r>
-              <a:rPr lang="en-US" dirty="0" err="1"/>
-              <a:t>Aufgabenstellung</a:t>
-            </a:r>
-            <a:endParaRPr lang="en-US" dirty="0"/>
-          </a:p>
-          <a:p>
-            <a:r>
-              <a:rPr lang="en-US" dirty="0" err="1"/>
-              <a:t>informationskondensation</a:t>
-            </a:r>
-            <a:endParaRPr lang="en-DE" dirty="0"/>
-          </a:p>
-        </p:txBody>
-      </p:sp>
-      <p:sp>
-        <p:nvSpPr>
-          <p:cNvPr id="4" name="Inhaltsplatzhalter 3">
-            <a:extLst>
-              <a:ext uri="{FF2B5EF4-FFF2-40B4-BE49-F238E27FC236}">
-                <a16:creationId xmlns:a16="http://schemas.microsoft.com/office/drawing/2014/main" id="{0557415F-4456-4577-BC63-DE60CF1AC322}"/>
-              </a:ext>
-            </a:extLst>
-          </p:cNvPr>
-          <p:cNvSpPr>
-            <a:spLocks noGrp="1"/>
-          </p:cNvSpPr>
-          <p:nvPr>
-            <p:ph idx="10"/>
-          </p:nvPr>
-        </p:nvSpPr>
-        <p:spPr/>
-        <p:txBody>
-          <a:bodyPr/>
-          <a:lstStyle/>
-          <a:p>
-            <a:endParaRPr lang="en-DE"/>
-          </a:p>
-        </p:txBody>
-      </p:sp>
+          <p:cNvPicPr>
+            <a:picLocks noChangeAspect="1"/>
+          </p:cNvPicPr>
+          <p:nvPr/>
+        </p:nvPicPr>
+        <p:blipFill>
+          <a:blip r:embed="rId3"/>
+          <a:stretch>
+            <a:fillRect/>
+          </a:stretch>
+        </p:blipFill>
+        <p:spPr>
+          <a:xfrm>
+            <a:off x="538942" y="1149928"/>
+            <a:ext cx="8828116" cy="4801733"/>
+          </a:xfrm>
+          <a:prstGeom prst="rect">
+            <a:avLst/>
+          </a:prstGeom>
+        </p:spPr>
+      </p:pic>
     </p:spTree>
     <p:extLst>
       <p:ext uri="{BB962C8B-B14F-4D97-AF65-F5344CB8AC3E}">
-        <p14:creationId xmlns:p14="http://schemas.microsoft.com/office/powerpoint/2010/main" val="911871053"/>
+        <p14:creationId xmlns:p14="http://schemas.microsoft.com/office/powerpoint/2010/main" val="1233722444"/>
       </p:ext>
     </p:extLst>
   </p:cSld>
@@ -5394,6 +5982,125 @@
       </p:grpSpPr>
       <p:sp>
         <p:nvSpPr>
+          <p:cNvPr id="10" name="Freihandform: Form 9">
+            <a:extLst>
+              <a:ext uri="{FF2B5EF4-FFF2-40B4-BE49-F238E27FC236}">
+                <a16:creationId xmlns:a16="http://schemas.microsoft.com/office/drawing/2014/main" id="{BE5A0E8D-A09C-4C59-95C6-7235C5FB4D27}"/>
+              </a:ext>
+            </a:extLst>
+          </p:cNvPr>
+          <p:cNvSpPr/>
+          <p:nvPr/>
+        </p:nvSpPr>
+        <p:spPr>
+          <a:xfrm>
+            <a:off x="-116150" y="-185263"/>
+            <a:ext cx="10138299" cy="1731145"/>
+          </a:xfrm>
+          <a:custGeom>
+            <a:avLst/>
+            <a:gdLst>
+              <a:gd name="connsiteX0" fmla="*/ 17755 w 10138299"/>
+              <a:gd name="connsiteY0" fmla="*/ 568171 h 1731145"/>
+              <a:gd name="connsiteX1" fmla="*/ 0 w 10138299"/>
+              <a:gd name="connsiteY1" fmla="*/ 1162974 h 1731145"/>
+              <a:gd name="connsiteX2" fmla="*/ 4634144 w 10138299"/>
+              <a:gd name="connsiteY2" fmla="*/ 1731145 h 1731145"/>
+              <a:gd name="connsiteX3" fmla="*/ 10138299 w 10138299"/>
+              <a:gd name="connsiteY3" fmla="*/ 941033 h 1731145"/>
+              <a:gd name="connsiteX4" fmla="*/ 10129421 w 10138299"/>
+              <a:gd name="connsiteY4" fmla="*/ 497149 h 1731145"/>
+              <a:gd name="connsiteX5" fmla="*/ 5042516 w 10138299"/>
+              <a:gd name="connsiteY5" fmla="*/ 0 h 1731145"/>
+              <a:gd name="connsiteX6" fmla="*/ 17755 w 10138299"/>
+              <a:gd name="connsiteY6" fmla="*/ 568171 h 1731145"/>
+            </a:gdLst>
+            <a:ahLst/>
+            <a:cxnLst>
+              <a:cxn ang="0">
+                <a:pos x="connsiteX0" y="connsiteY0"/>
+              </a:cxn>
+              <a:cxn ang="0">
+                <a:pos x="connsiteX1" y="connsiteY1"/>
+              </a:cxn>
+              <a:cxn ang="0">
+                <a:pos x="connsiteX2" y="connsiteY2"/>
+              </a:cxn>
+              <a:cxn ang="0">
+                <a:pos x="connsiteX3" y="connsiteY3"/>
+              </a:cxn>
+              <a:cxn ang="0">
+                <a:pos x="connsiteX4" y="connsiteY4"/>
+              </a:cxn>
+              <a:cxn ang="0">
+                <a:pos x="connsiteX5" y="connsiteY5"/>
+              </a:cxn>
+              <a:cxn ang="0">
+                <a:pos x="connsiteX6" y="connsiteY6"/>
+              </a:cxn>
+            </a:cxnLst>
+            <a:rect l="l" t="t" r="r" b="b"/>
+            <a:pathLst>
+              <a:path w="10138299" h="1731145">
+                <a:moveTo>
+                  <a:pt x="17755" y="568171"/>
+                </a:moveTo>
+                <a:lnTo>
+                  <a:pt x="0" y="1162974"/>
+                </a:lnTo>
+                <a:lnTo>
+                  <a:pt x="4634144" y="1731145"/>
+                </a:lnTo>
+                <a:lnTo>
+                  <a:pt x="10138299" y="941033"/>
+                </a:lnTo>
+                <a:lnTo>
+                  <a:pt x="10129421" y="497149"/>
+                </a:lnTo>
+                <a:lnTo>
+                  <a:pt x="5042516" y="0"/>
+                </a:lnTo>
+                <a:lnTo>
+                  <a:pt x="17755" y="568171"/>
+                </a:lnTo>
+                <a:close/>
+              </a:path>
+            </a:pathLst>
+          </a:custGeom>
+          <a:solidFill>
+            <a:srgbClr val="CFCFCF"/>
+          </a:solidFill>
+          <a:ln>
+            <a:noFill/>
+          </a:ln>
+        </p:spPr>
+        <p:style>
+          <a:lnRef idx="2">
+            <a:schemeClr val="accent1">
+              <a:shade val="50000"/>
+            </a:schemeClr>
+          </a:lnRef>
+          <a:fillRef idx="1">
+            <a:schemeClr val="accent1"/>
+          </a:fillRef>
+          <a:effectRef idx="0">
+            <a:schemeClr val="accent1"/>
+          </a:effectRef>
+          <a:fontRef idx="minor">
+            <a:schemeClr val="lt1"/>
+          </a:fontRef>
+        </p:style>
+        <p:txBody>
+          <a:bodyPr rtlCol="0" anchor="ctr"/>
+          <a:lstStyle/>
+          <a:p>
+            <a:pPr algn="ctr"/>
+            <a:endParaRPr lang="de-DE"/>
+          </a:p>
+        </p:txBody>
+      </p:sp>
+      <p:sp>
+        <p:nvSpPr>
           <p:cNvPr id="3" name="Inhaltsplatzhalter 2">
             <a:extLst>
               <a:ext uri="{FF2B5EF4-FFF2-40B4-BE49-F238E27FC236}">
@@ -5413,10 +6120,7 @@
           <a:bodyPr/>
           <a:lstStyle/>
           <a:p>
-            <a:r>
-              <a:rPr lang="de-DE" dirty="0"/>
-              <a:t>altes Model</a:t>
-            </a:r>
+            <a:endParaRPr lang="de-DE" dirty="0"/>
           </a:p>
           <a:p>
             <a:pPr marL="285750" indent="-285750">
@@ -5425,7 +6129,7 @@
             </a:pPr>
             <a:r>
               <a:rPr lang="de-DE" dirty="0"/>
-              <a:t>sämtliche Komponenten von einander abhängig</a:t>
+              <a:t>alle Inhalte in einer Datei</a:t>
             </a:r>
           </a:p>
           <a:p>
@@ -5435,7 +6139,7 @@
             </a:pPr>
             <a:r>
               <a:rPr lang="de-DE" dirty="0"/>
-              <a:t>keine echte modulare Struktur</a:t>
+              <a:t>Komponenten von zu stark von einander abhängig</a:t>
             </a:r>
           </a:p>
           <a:p>
@@ -5445,7 +6149,17 @@
             </a:pPr>
             <a:r>
               <a:rPr lang="de-DE" dirty="0"/>
-              <a:t>Simulation funktionierte nur für spezielles Beispielhaus </a:t>
+              <a:t>keine echte modulare Struktur</a:t>
+            </a:r>
+          </a:p>
+          <a:p>
+            <a:pPr marL="285750" indent="-285750">
+              <a:buFont typeface="Symbol" panose="05050102010706020507" pitchFamily="18" charset="2"/>
+              <a:buChar char="-"/>
+            </a:pPr>
+            <a:r>
+              <a:rPr lang="de-DE" dirty="0"/>
+              <a:t>Simulation funktionierte nur für spezielles Beispielhaus</a:t>
             </a:r>
           </a:p>
         </p:txBody>
@@ -5478,17 +6192,17 @@
           <a:p>
             <a:r>
               <a:rPr lang="de-DE" dirty="0"/>
-              <a:t>Gesamtüberarbeitung des Models</a:t>
+              <a:t>das alte Model</a:t>
             </a:r>
           </a:p>
         </p:txBody>
       </p:sp>
       <p:pic>
         <p:nvPicPr>
-          <p:cNvPr id="7" name="Grafik 6">
+          <p:cNvPr id="5" name="Grafik 4">
             <a:extLst>
               <a:ext uri="{FF2B5EF4-FFF2-40B4-BE49-F238E27FC236}">
-                <a16:creationId xmlns:a16="http://schemas.microsoft.com/office/drawing/2014/main" id="{6A7596A4-0D6A-4724-999F-13D911FBF948}"/>
+                <a16:creationId xmlns:a16="http://schemas.microsoft.com/office/drawing/2014/main" id="{45A0FC05-7B41-471D-917A-E74878D54B33}"/>
               </a:ext>
             </a:extLst>
           </p:cNvPr>
@@ -5505,8 +6219,8 @@
         </p:blipFill>
         <p:spPr>
           <a:xfrm>
-            <a:off x="4953000" y="1378990"/>
-            <a:ext cx="1876425" cy="3581400"/>
+            <a:off x="5053914" y="1545882"/>
+            <a:ext cx="3766235" cy="3766235"/>
           </a:xfrm>
           <a:prstGeom prst="rect">
             <a:avLst/>
@@ -5516,7 +6230,7 @@
     </p:spTree>
     <p:extLst>
       <p:ext uri="{BB962C8B-B14F-4D97-AF65-F5344CB8AC3E}">
-        <p14:creationId xmlns:p14="http://schemas.microsoft.com/office/powerpoint/2010/main" val="1720855454"/>
+        <p14:creationId xmlns:p14="http://schemas.microsoft.com/office/powerpoint/2010/main" val="2693007193"/>
       </p:ext>
     </p:extLst>
   </p:cSld>
@@ -5545,10 +6259,159 @@
       </p:grpSpPr>
       <p:sp>
         <p:nvSpPr>
-          <p:cNvPr id="6" name="Titel 1">
+          <p:cNvPr id="16" name="Freihandform: Form 15">
             <a:extLst>
               <a:ext uri="{FF2B5EF4-FFF2-40B4-BE49-F238E27FC236}">
-                <a16:creationId xmlns:a16="http://schemas.microsoft.com/office/drawing/2014/main" id="{848D55A9-143D-4B68-8B02-2B49585E1B30}"/>
+                <a16:creationId xmlns:a16="http://schemas.microsoft.com/office/drawing/2014/main" id="{B67090E8-5CF9-4BF4-AD75-70E699730D77}"/>
+              </a:ext>
+            </a:extLst>
+          </p:cNvPr>
+          <p:cNvSpPr/>
+          <p:nvPr/>
+        </p:nvSpPr>
+        <p:spPr>
+          <a:xfrm>
+            <a:off x="-116150" y="-185263"/>
+            <a:ext cx="10138299" cy="1731145"/>
+          </a:xfrm>
+          <a:custGeom>
+            <a:avLst/>
+            <a:gdLst>
+              <a:gd name="connsiteX0" fmla="*/ 17755 w 10138299"/>
+              <a:gd name="connsiteY0" fmla="*/ 568171 h 1731145"/>
+              <a:gd name="connsiteX1" fmla="*/ 0 w 10138299"/>
+              <a:gd name="connsiteY1" fmla="*/ 1162974 h 1731145"/>
+              <a:gd name="connsiteX2" fmla="*/ 4634144 w 10138299"/>
+              <a:gd name="connsiteY2" fmla="*/ 1731145 h 1731145"/>
+              <a:gd name="connsiteX3" fmla="*/ 10138299 w 10138299"/>
+              <a:gd name="connsiteY3" fmla="*/ 941033 h 1731145"/>
+              <a:gd name="connsiteX4" fmla="*/ 10129421 w 10138299"/>
+              <a:gd name="connsiteY4" fmla="*/ 497149 h 1731145"/>
+              <a:gd name="connsiteX5" fmla="*/ 5042516 w 10138299"/>
+              <a:gd name="connsiteY5" fmla="*/ 0 h 1731145"/>
+              <a:gd name="connsiteX6" fmla="*/ 17755 w 10138299"/>
+              <a:gd name="connsiteY6" fmla="*/ 568171 h 1731145"/>
+            </a:gdLst>
+            <a:ahLst/>
+            <a:cxnLst>
+              <a:cxn ang="0">
+                <a:pos x="connsiteX0" y="connsiteY0"/>
+              </a:cxn>
+              <a:cxn ang="0">
+                <a:pos x="connsiteX1" y="connsiteY1"/>
+              </a:cxn>
+              <a:cxn ang="0">
+                <a:pos x="connsiteX2" y="connsiteY2"/>
+              </a:cxn>
+              <a:cxn ang="0">
+                <a:pos x="connsiteX3" y="connsiteY3"/>
+              </a:cxn>
+              <a:cxn ang="0">
+                <a:pos x="connsiteX4" y="connsiteY4"/>
+              </a:cxn>
+              <a:cxn ang="0">
+                <a:pos x="connsiteX5" y="connsiteY5"/>
+              </a:cxn>
+              <a:cxn ang="0">
+                <a:pos x="connsiteX6" y="connsiteY6"/>
+              </a:cxn>
+            </a:cxnLst>
+            <a:rect l="l" t="t" r="r" b="b"/>
+            <a:pathLst>
+              <a:path w="10138299" h="1731145">
+                <a:moveTo>
+                  <a:pt x="17755" y="568171"/>
+                </a:moveTo>
+                <a:lnTo>
+                  <a:pt x="0" y="1162974"/>
+                </a:lnTo>
+                <a:lnTo>
+                  <a:pt x="4634144" y="1731145"/>
+                </a:lnTo>
+                <a:lnTo>
+                  <a:pt x="10138299" y="941033"/>
+                </a:lnTo>
+                <a:lnTo>
+                  <a:pt x="10129421" y="497149"/>
+                </a:lnTo>
+                <a:lnTo>
+                  <a:pt x="5042516" y="0"/>
+                </a:lnTo>
+                <a:lnTo>
+                  <a:pt x="17755" y="568171"/>
+                </a:lnTo>
+                <a:close/>
+              </a:path>
+            </a:pathLst>
+          </a:custGeom>
+          <a:solidFill>
+            <a:srgbClr val="CFCFCF"/>
+          </a:solidFill>
+          <a:ln>
+            <a:noFill/>
+          </a:ln>
+        </p:spPr>
+        <p:style>
+          <a:lnRef idx="2">
+            <a:schemeClr val="accent1">
+              <a:shade val="50000"/>
+            </a:schemeClr>
+          </a:lnRef>
+          <a:fillRef idx="1">
+            <a:schemeClr val="accent1"/>
+          </a:fillRef>
+          <a:effectRef idx="0">
+            <a:schemeClr val="accent1"/>
+          </a:effectRef>
+          <a:fontRef idx="minor">
+            <a:schemeClr val="lt1"/>
+          </a:fontRef>
+        </p:style>
+        <p:txBody>
+          <a:bodyPr rtlCol="0" anchor="ctr"/>
+          <a:lstStyle/>
+          <a:p>
+            <a:pPr algn="ctr"/>
+            <a:endParaRPr lang="de-DE"/>
+          </a:p>
+        </p:txBody>
+      </p:sp>
+      <p:pic>
+        <p:nvPicPr>
+          <p:cNvPr id="4" name="Grafik 3">
+            <a:extLst>
+              <a:ext uri="{FF2B5EF4-FFF2-40B4-BE49-F238E27FC236}">
+                <a16:creationId xmlns:a16="http://schemas.microsoft.com/office/drawing/2014/main" id="{B788D7EB-FEDF-4B72-A119-D74EA2A4356D}"/>
+              </a:ext>
+            </a:extLst>
+          </p:cNvPr>
+          <p:cNvPicPr>
+            <a:picLocks noChangeAspect="1"/>
+          </p:cNvPicPr>
+          <p:nvPr/>
+        </p:nvPicPr>
+        <p:blipFill>
+          <a:blip r:embed="rId2"/>
+          <a:stretch>
+            <a:fillRect/>
+          </a:stretch>
+        </p:blipFill>
+        <p:spPr>
+          <a:xfrm>
+            <a:off x="5810875" y="1378990"/>
+            <a:ext cx="1691081" cy="4705588"/>
+          </a:xfrm>
+          <a:prstGeom prst="rect">
+            <a:avLst/>
+          </a:prstGeom>
+        </p:spPr>
+      </p:pic>
+      <p:sp>
+        <p:nvSpPr>
+          <p:cNvPr id="9" name="Titel 1">
+            <a:extLst>
+              <a:ext uri="{FF2B5EF4-FFF2-40B4-BE49-F238E27FC236}">
+                <a16:creationId xmlns:a16="http://schemas.microsoft.com/office/drawing/2014/main" id="{E2E469C0-E4C7-4608-80FD-059158A884EF}"/>
               </a:ext>
             </a:extLst>
           </p:cNvPr>
@@ -5571,17 +6434,17 @@
           <a:p>
             <a:r>
               <a:rPr lang="de-DE" dirty="0"/>
-              <a:t>Gesamtüberarbeitung des Models</a:t>
+              <a:t>das alte Model</a:t>
             </a:r>
           </a:p>
         </p:txBody>
       </p:sp>
       <p:sp>
         <p:nvSpPr>
-          <p:cNvPr id="5" name="Inhaltsplatzhalter 4">
+          <p:cNvPr id="12" name="Inhaltsplatzhalter 2">
             <a:extLst>
               <a:ext uri="{FF2B5EF4-FFF2-40B4-BE49-F238E27FC236}">
-                <a16:creationId xmlns:a16="http://schemas.microsoft.com/office/drawing/2014/main" id="{34EFEBDC-B2F1-4A5D-97A8-528ADA1C9D7C}"/>
+                <a16:creationId xmlns:a16="http://schemas.microsoft.com/office/drawing/2014/main" id="{EC080092-F4EF-4DA9-A109-691BE74410C2}"/>
               </a:ext>
             </a:extLst>
           </p:cNvPr>
@@ -5592,15 +6455,17 @@
             <p:ph idx="1"/>
           </p:nvPr>
         </p:nvSpPr>
-        <p:spPr/>
+        <p:spPr>
+          <a:xfrm>
+            <a:off x="1085851" y="1378990"/>
+            <a:ext cx="3766236" cy="4266000"/>
+          </a:xfrm>
+        </p:spPr>
         <p:txBody>
           <a:bodyPr/>
           <a:lstStyle/>
           <a:p>
-            <a:r>
-              <a:rPr lang="de-DE" dirty="0"/>
-              <a:t>neues Modell</a:t>
-            </a:r>
+            <a:endParaRPr lang="de-DE" dirty="0"/>
           </a:p>
           <a:p>
             <a:pPr marL="285750" indent="-285750">
@@ -5609,7 +6474,7 @@
             </a:pPr>
             <a:r>
               <a:rPr lang="de-DE" dirty="0"/>
-              <a:t>vollständig modular</a:t>
+              <a:t>alle Inhalte in einer Datei</a:t>
             </a:r>
           </a:p>
           <a:p>
@@ -5619,58 +6484,35 @@
             </a:pPr>
             <a:r>
               <a:rPr lang="de-DE" dirty="0"/>
-              <a:t>Komponenten flexibel austauschbar</a:t>
+              <a:t>Komponenten von zu stark von einander abhängig</a:t>
             </a:r>
           </a:p>
           <a:p>
             <a:pPr marL="285750" indent="-285750">
-              <a:buFont typeface="Wingdings" panose="05000000000000000000" pitchFamily="2" charset="2"/>
-              <a:buChar char="Ø"/>
+              <a:buFont typeface="Symbol" panose="05050102010706020507" pitchFamily="18" charset="2"/>
+              <a:buChar char="-"/>
             </a:pPr>
             <a:r>
               <a:rPr lang="de-DE" dirty="0"/>
-              <a:t>individuelle Gartenhausmodelle einsetzbar</a:t>
-            </a:r>
-          </a:p>
-          <a:p>
-            <a:endParaRPr lang="de-DE" dirty="0"/>
+              <a:t>keine echte modulare Struktur</a:t>
+            </a:r>
+          </a:p>
+          <a:p>
+            <a:pPr marL="285750" indent="-285750">
+              <a:buFont typeface="Symbol" panose="05050102010706020507" pitchFamily="18" charset="2"/>
+              <a:buChar char="-"/>
+            </a:pPr>
+            <a:r>
+              <a:rPr lang="de-DE" dirty="0"/>
+              <a:t>Simulation funktionierte nur für spezielles Beispielhaus</a:t>
+            </a:r>
           </a:p>
         </p:txBody>
       </p:sp>
-      <p:pic>
-        <p:nvPicPr>
-          <p:cNvPr id="11" name="Grafik 10">
-            <a:extLst>
-              <a:ext uri="{FF2B5EF4-FFF2-40B4-BE49-F238E27FC236}">
-                <a16:creationId xmlns:a16="http://schemas.microsoft.com/office/drawing/2014/main" id="{D7E0A79E-2EC0-4BB1-96D1-E92354242525}"/>
-              </a:ext>
-            </a:extLst>
-          </p:cNvPr>
-          <p:cNvPicPr>
-            <a:picLocks noChangeAspect="1"/>
-          </p:cNvPicPr>
-          <p:nvPr/>
-        </p:nvPicPr>
-        <p:blipFill>
-          <a:blip r:embed="rId2"/>
-          <a:stretch>
-            <a:fillRect/>
-          </a:stretch>
-        </p:blipFill>
-        <p:spPr>
-          <a:xfrm>
-            <a:off x="4953000" y="1378990"/>
-            <a:ext cx="1943100" cy="4438650"/>
-          </a:xfrm>
-          <a:prstGeom prst="rect">
-            <a:avLst/>
-          </a:prstGeom>
-        </p:spPr>
-      </p:pic>
     </p:spTree>
     <p:extLst>
       <p:ext uri="{BB962C8B-B14F-4D97-AF65-F5344CB8AC3E}">
-        <p14:creationId xmlns:p14="http://schemas.microsoft.com/office/powerpoint/2010/main" val="3765709100"/>
+        <p14:creationId xmlns:p14="http://schemas.microsoft.com/office/powerpoint/2010/main" val="1720855454"/>
       </p:ext>
     </p:extLst>
   </p:cSld>
@@ -5699,10 +6541,129 @@
       </p:grpSpPr>
       <p:sp>
         <p:nvSpPr>
+          <p:cNvPr id="9" name="Freihandform: Form 8">
+            <a:extLst>
+              <a:ext uri="{FF2B5EF4-FFF2-40B4-BE49-F238E27FC236}">
+                <a16:creationId xmlns:a16="http://schemas.microsoft.com/office/drawing/2014/main" id="{A3389026-7AF0-4D9E-885E-472845977FDC}"/>
+              </a:ext>
+            </a:extLst>
+          </p:cNvPr>
+          <p:cNvSpPr/>
+          <p:nvPr/>
+        </p:nvSpPr>
+        <p:spPr>
+          <a:xfrm>
+            <a:off x="-116150" y="-185263"/>
+            <a:ext cx="10138299" cy="1731145"/>
+          </a:xfrm>
+          <a:custGeom>
+            <a:avLst/>
+            <a:gdLst>
+              <a:gd name="connsiteX0" fmla="*/ 17755 w 10138299"/>
+              <a:gd name="connsiteY0" fmla="*/ 568171 h 1731145"/>
+              <a:gd name="connsiteX1" fmla="*/ 0 w 10138299"/>
+              <a:gd name="connsiteY1" fmla="*/ 1162974 h 1731145"/>
+              <a:gd name="connsiteX2" fmla="*/ 4634144 w 10138299"/>
+              <a:gd name="connsiteY2" fmla="*/ 1731145 h 1731145"/>
+              <a:gd name="connsiteX3" fmla="*/ 10138299 w 10138299"/>
+              <a:gd name="connsiteY3" fmla="*/ 941033 h 1731145"/>
+              <a:gd name="connsiteX4" fmla="*/ 10129421 w 10138299"/>
+              <a:gd name="connsiteY4" fmla="*/ 497149 h 1731145"/>
+              <a:gd name="connsiteX5" fmla="*/ 5042516 w 10138299"/>
+              <a:gd name="connsiteY5" fmla="*/ 0 h 1731145"/>
+              <a:gd name="connsiteX6" fmla="*/ 17755 w 10138299"/>
+              <a:gd name="connsiteY6" fmla="*/ 568171 h 1731145"/>
+            </a:gdLst>
+            <a:ahLst/>
+            <a:cxnLst>
+              <a:cxn ang="0">
+                <a:pos x="connsiteX0" y="connsiteY0"/>
+              </a:cxn>
+              <a:cxn ang="0">
+                <a:pos x="connsiteX1" y="connsiteY1"/>
+              </a:cxn>
+              <a:cxn ang="0">
+                <a:pos x="connsiteX2" y="connsiteY2"/>
+              </a:cxn>
+              <a:cxn ang="0">
+                <a:pos x="connsiteX3" y="connsiteY3"/>
+              </a:cxn>
+              <a:cxn ang="0">
+                <a:pos x="connsiteX4" y="connsiteY4"/>
+              </a:cxn>
+              <a:cxn ang="0">
+                <a:pos x="connsiteX5" y="connsiteY5"/>
+              </a:cxn>
+              <a:cxn ang="0">
+                <a:pos x="connsiteX6" y="connsiteY6"/>
+              </a:cxn>
+            </a:cxnLst>
+            <a:rect l="l" t="t" r="r" b="b"/>
+            <a:pathLst>
+              <a:path w="10138299" h="1731145">
+                <a:moveTo>
+                  <a:pt x="17755" y="568171"/>
+                </a:moveTo>
+                <a:lnTo>
+                  <a:pt x="0" y="1162974"/>
+                </a:lnTo>
+                <a:lnTo>
+                  <a:pt x="4634144" y="1731145"/>
+                </a:lnTo>
+                <a:lnTo>
+                  <a:pt x="10138299" y="941033"/>
+                </a:lnTo>
+                <a:lnTo>
+                  <a:pt x="10129421" y="497149"/>
+                </a:lnTo>
+                <a:lnTo>
+                  <a:pt x="5042516" y="0"/>
+                </a:lnTo>
+                <a:lnTo>
+                  <a:pt x="17755" y="568171"/>
+                </a:lnTo>
+                <a:close/>
+              </a:path>
+            </a:pathLst>
+          </a:custGeom>
+          <a:solidFill>
+            <a:srgbClr val="CFCFCF"/>
+          </a:solidFill>
+          <a:ln>
+            <a:noFill/>
+          </a:ln>
+        </p:spPr>
+        <p:style>
+          <a:lnRef idx="2">
+            <a:schemeClr val="accent1">
+              <a:shade val="50000"/>
+            </a:schemeClr>
+          </a:lnRef>
+          <a:fillRef idx="1">
+            <a:schemeClr val="accent1"/>
+          </a:fillRef>
+          <a:effectRef idx="0">
+            <a:schemeClr val="accent1"/>
+          </a:effectRef>
+          <a:fontRef idx="minor">
+            <a:schemeClr val="lt1"/>
+          </a:fontRef>
+        </p:style>
+        <p:txBody>
+          <a:bodyPr rtlCol="0" anchor="ctr"/>
+          <a:lstStyle/>
+          <a:p>
+            <a:pPr algn="ctr"/>
+            <a:endParaRPr lang="de-DE"/>
+          </a:p>
+        </p:txBody>
+      </p:sp>
+      <p:sp>
+        <p:nvSpPr>
           <p:cNvPr id="2" name="Titel 1">
             <a:extLst>
               <a:ext uri="{FF2B5EF4-FFF2-40B4-BE49-F238E27FC236}">
-                <a16:creationId xmlns:a16="http://schemas.microsoft.com/office/drawing/2014/main" id="{A623D952-D912-4746-A463-9AE3D2916176}"/>
+                <a16:creationId xmlns:a16="http://schemas.microsoft.com/office/drawing/2014/main" id="{516635E3-4232-4290-BDF0-5609DE245024}"/>
               </a:ext>
             </a:extLst>
           </p:cNvPr>
@@ -5715,10 +6676,15 @@
         </p:nvSpPr>
         <p:spPr/>
         <p:txBody>
-          <a:bodyPr/>
+          <a:bodyPr>
+            <a:normAutofit fontScale="90000"/>
+          </a:bodyPr>
           <a:lstStyle/>
           <a:p>
-            <a:endParaRPr lang="en-DE"/>
+            <a:r>
+              <a:rPr lang="de-DE" dirty="0"/>
+              <a:t>Anforderungen/Herausforderungen überdenken…</a:t>
+            </a:r>
           </a:p>
         </p:txBody>
       </p:sp>
@@ -5727,7 +6693,312 @@
           <p:cNvPr id="3" name="Inhaltsplatzhalter 2">
             <a:extLst>
               <a:ext uri="{FF2B5EF4-FFF2-40B4-BE49-F238E27FC236}">
-                <a16:creationId xmlns:a16="http://schemas.microsoft.com/office/drawing/2014/main" id="{A3BA7DDC-165B-4757-87DF-95E087A08E25}"/>
+                <a16:creationId xmlns:a16="http://schemas.microsoft.com/office/drawing/2014/main" id="{1EC70724-D26C-4DF1-9335-91A10E113AA9}"/>
+              </a:ext>
+            </a:extLst>
+          </p:cNvPr>
+          <p:cNvSpPr>
+            <a:spLocks noGrp="1"/>
+          </p:cNvSpPr>
+          <p:nvPr>
+            <p:ph idx="1"/>
+          </p:nvPr>
+        </p:nvSpPr>
+        <p:spPr>
+          <a:xfrm>
+            <a:off x="1085850" y="1991694"/>
+            <a:ext cx="4897699" cy="3437454"/>
+          </a:xfrm>
+        </p:spPr>
+        <p:txBody>
+          <a:bodyPr/>
+          <a:lstStyle/>
+          <a:p>
+            <a:pPr marL="285750" indent="-285750">
+              <a:buFont typeface="Symbol" panose="05050102010706020507" pitchFamily="18" charset="2"/>
+              <a:buChar char="-"/>
+            </a:pPr>
+            <a:r>
+              <a:rPr lang="de-DE" dirty="0" err="1"/>
+              <a:t>Modelica</a:t>
+            </a:r>
+            <a:r>
+              <a:rPr lang="de-DE" dirty="0"/>
+              <a:t> arbeitet NICHT sequenziell</a:t>
+            </a:r>
+          </a:p>
+          <a:p>
+            <a:pPr marL="285750" indent="-285750">
+              <a:buFont typeface="Symbol" panose="05050102010706020507" pitchFamily="18" charset="2"/>
+              <a:buChar char="-"/>
+            </a:pPr>
+            <a:r>
+              <a:rPr lang="de-DE" dirty="0"/>
+              <a:t>Syntax und Semantik nicht immer bekannt</a:t>
+            </a:r>
+          </a:p>
+          <a:p>
+            <a:pPr marL="285750" indent="-285750">
+              <a:buFont typeface="Symbol" panose="05050102010706020507" pitchFamily="18" charset="2"/>
+              <a:buChar char="-"/>
+            </a:pPr>
+            <a:endParaRPr lang="de-DE" dirty="0"/>
+          </a:p>
+          <a:p>
+            <a:pPr marL="285750" indent="-285750">
+              <a:buFont typeface="Wingdings" panose="05000000000000000000" pitchFamily="2" charset="2"/>
+              <a:buChar char="Ø"/>
+            </a:pPr>
+            <a:r>
+              <a:rPr lang="de-DE" dirty="0"/>
+              <a:t>Projekt-Struktur überarbeiten</a:t>
+            </a:r>
+          </a:p>
+          <a:p>
+            <a:pPr marL="285750" indent="-285750">
+              <a:buFont typeface="Wingdings" panose="05000000000000000000" pitchFamily="2" charset="2"/>
+              <a:buChar char="Ø"/>
+            </a:pPr>
+            <a:r>
+              <a:rPr lang="de-DE" dirty="0"/>
+              <a:t>Bestehende Blöcke aus </a:t>
+            </a:r>
+            <a:r>
+              <a:rPr lang="de-DE" dirty="0" err="1"/>
+              <a:t>Modelica</a:t>
+            </a:r>
+            <a:r>
+              <a:rPr lang="de-DE" dirty="0"/>
+              <a:t> nutzen</a:t>
+            </a:r>
+          </a:p>
+          <a:p>
+            <a:pPr marL="285750" indent="-285750">
+              <a:buFont typeface="Symbol" panose="05050102010706020507" pitchFamily="18" charset="2"/>
+              <a:buChar char="-"/>
+            </a:pPr>
+            <a:endParaRPr lang="de-DE" dirty="0"/>
+          </a:p>
+        </p:txBody>
+      </p:sp>
+      <p:pic>
+        <p:nvPicPr>
+          <p:cNvPr id="5" name="Grafik 4">
+            <a:extLst>
+              <a:ext uri="{FF2B5EF4-FFF2-40B4-BE49-F238E27FC236}">
+                <a16:creationId xmlns:a16="http://schemas.microsoft.com/office/drawing/2014/main" id="{E3DDB486-0AC0-4FE0-A74B-980573A2A64F}"/>
+              </a:ext>
+            </a:extLst>
+          </p:cNvPr>
+          <p:cNvPicPr>
+            <a:picLocks noChangeAspect="1"/>
+          </p:cNvPicPr>
+          <p:nvPr/>
+        </p:nvPicPr>
+        <p:blipFill>
+          <a:blip r:embed="rId2"/>
+          <a:stretch>
+            <a:fillRect/>
+          </a:stretch>
+        </p:blipFill>
+        <p:spPr>
+          <a:xfrm>
+            <a:off x="5983549" y="1634658"/>
+            <a:ext cx="1619250" cy="2981325"/>
+          </a:xfrm>
+          <a:prstGeom prst="rect">
+            <a:avLst/>
+          </a:prstGeom>
+        </p:spPr>
+      </p:pic>
+    </p:spTree>
+    <p:extLst>
+      <p:ext uri="{BB962C8B-B14F-4D97-AF65-F5344CB8AC3E}">
+        <p14:creationId xmlns:p14="http://schemas.microsoft.com/office/powerpoint/2010/main" val="1139220581"/>
+      </p:ext>
+    </p:extLst>
+  </p:cSld>
+  <p:clrMapOvr>
+    <a:masterClrMapping/>
+  </p:clrMapOvr>
+</p:sld>
+</file>
+
+<file path=ppt/slides/slide7.xml><?xml version="1.0" encoding="utf-8"?>
+<p:sld xmlns:a="http://schemas.openxmlformats.org/drawingml/2006/main" xmlns:r="http://schemas.openxmlformats.org/officeDocument/2006/relationships" xmlns:p="http://schemas.openxmlformats.org/presentationml/2006/main">
+  <p:cSld>
+    <p:spTree>
+      <p:nvGrpSpPr>
+        <p:cNvPr id="1" name=""/>
+        <p:cNvGrpSpPr/>
+        <p:nvPr/>
+      </p:nvGrpSpPr>
+      <p:grpSpPr>
+        <a:xfrm>
+          <a:off x="0" y="0"/>
+          <a:ext cx="0" cy="0"/>
+          <a:chOff x="0" y="0"/>
+          <a:chExt cx="0" cy="0"/>
+        </a:xfrm>
+      </p:grpSpPr>
+      <p:sp>
+        <p:nvSpPr>
+          <p:cNvPr id="10" name="Freihandform: Form 9">
+            <a:extLst>
+              <a:ext uri="{FF2B5EF4-FFF2-40B4-BE49-F238E27FC236}">
+                <a16:creationId xmlns:a16="http://schemas.microsoft.com/office/drawing/2014/main" id="{5972F908-65F2-49F5-B248-CB2D571F8D00}"/>
+              </a:ext>
+            </a:extLst>
+          </p:cNvPr>
+          <p:cNvSpPr/>
+          <p:nvPr/>
+        </p:nvSpPr>
+        <p:spPr>
+          <a:xfrm>
+            <a:off x="-116150" y="-185263"/>
+            <a:ext cx="10138299" cy="1731145"/>
+          </a:xfrm>
+          <a:custGeom>
+            <a:avLst/>
+            <a:gdLst>
+              <a:gd name="connsiteX0" fmla="*/ 17755 w 10138299"/>
+              <a:gd name="connsiteY0" fmla="*/ 568171 h 1731145"/>
+              <a:gd name="connsiteX1" fmla="*/ 0 w 10138299"/>
+              <a:gd name="connsiteY1" fmla="*/ 1162974 h 1731145"/>
+              <a:gd name="connsiteX2" fmla="*/ 4634144 w 10138299"/>
+              <a:gd name="connsiteY2" fmla="*/ 1731145 h 1731145"/>
+              <a:gd name="connsiteX3" fmla="*/ 10138299 w 10138299"/>
+              <a:gd name="connsiteY3" fmla="*/ 941033 h 1731145"/>
+              <a:gd name="connsiteX4" fmla="*/ 10129421 w 10138299"/>
+              <a:gd name="connsiteY4" fmla="*/ 497149 h 1731145"/>
+              <a:gd name="connsiteX5" fmla="*/ 5042516 w 10138299"/>
+              <a:gd name="connsiteY5" fmla="*/ 0 h 1731145"/>
+              <a:gd name="connsiteX6" fmla="*/ 17755 w 10138299"/>
+              <a:gd name="connsiteY6" fmla="*/ 568171 h 1731145"/>
+            </a:gdLst>
+            <a:ahLst/>
+            <a:cxnLst>
+              <a:cxn ang="0">
+                <a:pos x="connsiteX0" y="connsiteY0"/>
+              </a:cxn>
+              <a:cxn ang="0">
+                <a:pos x="connsiteX1" y="connsiteY1"/>
+              </a:cxn>
+              <a:cxn ang="0">
+                <a:pos x="connsiteX2" y="connsiteY2"/>
+              </a:cxn>
+              <a:cxn ang="0">
+                <a:pos x="connsiteX3" y="connsiteY3"/>
+              </a:cxn>
+              <a:cxn ang="0">
+                <a:pos x="connsiteX4" y="connsiteY4"/>
+              </a:cxn>
+              <a:cxn ang="0">
+                <a:pos x="connsiteX5" y="connsiteY5"/>
+              </a:cxn>
+              <a:cxn ang="0">
+                <a:pos x="connsiteX6" y="connsiteY6"/>
+              </a:cxn>
+            </a:cxnLst>
+            <a:rect l="l" t="t" r="r" b="b"/>
+            <a:pathLst>
+              <a:path w="10138299" h="1731145">
+                <a:moveTo>
+                  <a:pt x="17755" y="568171"/>
+                </a:moveTo>
+                <a:lnTo>
+                  <a:pt x="0" y="1162974"/>
+                </a:lnTo>
+                <a:lnTo>
+                  <a:pt x="4634144" y="1731145"/>
+                </a:lnTo>
+                <a:lnTo>
+                  <a:pt x="10138299" y="941033"/>
+                </a:lnTo>
+                <a:lnTo>
+                  <a:pt x="10129421" y="497149"/>
+                </a:lnTo>
+                <a:lnTo>
+                  <a:pt x="5042516" y="0"/>
+                </a:lnTo>
+                <a:lnTo>
+                  <a:pt x="17755" y="568171"/>
+                </a:lnTo>
+                <a:close/>
+              </a:path>
+            </a:pathLst>
+          </a:custGeom>
+          <a:solidFill>
+            <a:srgbClr val="CFCFCF"/>
+          </a:solidFill>
+          <a:ln>
+            <a:noFill/>
+          </a:ln>
+        </p:spPr>
+        <p:style>
+          <a:lnRef idx="2">
+            <a:schemeClr val="accent1">
+              <a:shade val="50000"/>
+            </a:schemeClr>
+          </a:lnRef>
+          <a:fillRef idx="1">
+            <a:schemeClr val="accent1"/>
+          </a:fillRef>
+          <a:effectRef idx="0">
+            <a:schemeClr val="accent1"/>
+          </a:effectRef>
+          <a:fontRef idx="minor">
+            <a:schemeClr val="lt1"/>
+          </a:fontRef>
+        </p:style>
+        <p:txBody>
+          <a:bodyPr rtlCol="0" anchor="ctr"/>
+          <a:lstStyle/>
+          <a:p>
+            <a:pPr algn="ctr"/>
+            <a:endParaRPr lang="de-DE"/>
+          </a:p>
+        </p:txBody>
+      </p:sp>
+      <p:sp>
+        <p:nvSpPr>
+          <p:cNvPr id="6" name="Titel 1">
+            <a:extLst>
+              <a:ext uri="{FF2B5EF4-FFF2-40B4-BE49-F238E27FC236}">
+                <a16:creationId xmlns:a16="http://schemas.microsoft.com/office/drawing/2014/main" id="{848D55A9-143D-4B68-8B02-2B49585E1B30}"/>
+              </a:ext>
+            </a:extLst>
+          </p:cNvPr>
+          <p:cNvSpPr>
+            <a:spLocks noGrp="1"/>
+          </p:cNvSpPr>
+          <p:nvPr>
+            <p:ph type="title"/>
+          </p:nvPr>
+        </p:nvSpPr>
+        <p:spPr>
+          <a:xfrm>
+            <a:off x="1085849" y="600657"/>
+            <a:ext cx="7742267" cy="549271"/>
+          </a:xfrm>
+        </p:spPr>
+        <p:txBody>
+          <a:bodyPr/>
+          <a:lstStyle/>
+          <a:p>
+            <a:r>
+              <a:rPr lang="de-DE" dirty="0"/>
+              <a:t>Gesamtüberarbeitung des Models</a:t>
+            </a:r>
+          </a:p>
+        </p:txBody>
+      </p:sp>
+      <p:sp>
+        <p:nvSpPr>
+          <p:cNvPr id="5" name="Inhaltsplatzhalter 4">
+            <a:extLst>
+              <a:ext uri="{FF2B5EF4-FFF2-40B4-BE49-F238E27FC236}">
+                <a16:creationId xmlns:a16="http://schemas.microsoft.com/office/drawing/2014/main" id="{34EFEBDC-B2F1-4A5D-97A8-528ADA1C9D7C}"/>
               </a:ext>
             </a:extLst>
           </p:cNvPr>
@@ -5743,122 +7014,77 @@
           <a:bodyPr/>
           <a:lstStyle/>
           <a:p>
-            <a:r>
-              <a:rPr lang="en-US" dirty="0" err="1"/>
-              <a:t>Freie</a:t>
-            </a:r>
-            <a:r>
-              <a:rPr lang="en-US" dirty="0"/>
-              <a:t> </a:t>
-            </a:r>
-            <a:r>
-              <a:rPr lang="en-US" dirty="0" err="1"/>
-              <a:t>konvektion</a:t>
-            </a:r>
-            <a:r>
-              <a:rPr lang="en-US" dirty="0"/>
-              <a:t> </a:t>
-            </a:r>
-            <a:r>
-              <a:rPr lang="en-US" dirty="0" err="1"/>
-              <a:t>im</a:t>
-            </a:r>
-            <a:r>
-              <a:rPr lang="en-US" dirty="0"/>
-              <a:t> </a:t>
-            </a:r>
-            <a:r>
-              <a:rPr lang="en-US" dirty="0" err="1"/>
-              <a:t>inneren</a:t>
-            </a:r>
-            <a:endParaRPr lang="en-US" dirty="0"/>
-          </a:p>
-          <a:p>
-            <a:r>
-              <a:rPr lang="en-US" dirty="0" err="1"/>
-              <a:t>Austauschen</a:t>
-            </a:r>
-            <a:r>
-              <a:rPr lang="en-US" dirty="0"/>
-              <a:t> der </a:t>
-            </a:r>
-            <a:r>
-              <a:rPr lang="en-US" dirty="0" err="1"/>
-              <a:t>hausgeometrie</a:t>
-            </a:r>
-            <a:r>
-              <a:rPr lang="en-US" dirty="0"/>
-              <a:t> </a:t>
-            </a:r>
-            <a:r>
-              <a:rPr lang="en-US" dirty="0" err="1"/>
-              <a:t>möglich</a:t>
-            </a:r>
-            <a:endParaRPr lang="en-DE" dirty="0"/>
+            <a:endParaRPr lang="de-DE" dirty="0"/>
+          </a:p>
+          <a:p>
+            <a:pPr marL="285750" indent="-285750">
+              <a:buFont typeface="Symbol" panose="05050102010706020507" pitchFamily="18" charset="2"/>
+              <a:buChar char="-"/>
+            </a:pPr>
+            <a:r>
+              <a:rPr lang="de-DE" dirty="0"/>
+              <a:t>vollständig modular</a:t>
+            </a:r>
+          </a:p>
+          <a:p>
+            <a:pPr marL="285750" indent="-285750">
+              <a:buFont typeface="Symbol" panose="05050102010706020507" pitchFamily="18" charset="2"/>
+              <a:buChar char="-"/>
+            </a:pPr>
+            <a:r>
+              <a:rPr lang="de-DE" dirty="0"/>
+              <a:t>Komponenten flexibel austauschbar</a:t>
+            </a:r>
+          </a:p>
+          <a:p>
+            <a:pPr marL="285750" indent="-285750">
+              <a:buFont typeface="Wingdings" panose="05000000000000000000" pitchFamily="2" charset="2"/>
+              <a:buChar char="Ø"/>
+            </a:pPr>
+            <a:r>
+              <a:rPr lang="de-DE" dirty="0"/>
+              <a:t>individuelle Gartenhausmodelle einsetzbar</a:t>
+            </a:r>
+          </a:p>
+          <a:p>
+            <a:endParaRPr lang="de-DE" dirty="0"/>
           </a:p>
         </p:txBody>
       </p:sp>
-      <p:sp>
-        <p:nvSpPr>
-          <p:cNvPr id="4" name="Inhaltsplatzhalter 3">
+      <p:pic>
+        <p:nvPicPr>
+          <p:cNvPr id="11" name="Grafik 10">
             <a:extLst>
               <a:ext uri="{FF2B5EF4-FFF2-40B4-BE49-F238E27FC236}">
-                <a16:creationId xmlns:a16="http://schemas.microsoft.com/office/drawing/2014/main" id="{7E471ABD-2AC7-4851-91E1-7161286FA2E9}"/>
+                <a16:creationId xmlns:a16="http://schemas.microsoft.com/office/drawing/2014/main" id="{D7E0A79E-2EC0-4BB1-96D1-E92354242525}"/>
               </a:ext>
             </a:extLst>
           </p:cNvPr>
-          <p:cNvSpPr>
-            <a:spLocks noGrp="1"/>
-          </p:cNvSpPr>
-          <p:nvPr>
-            <p:ph idx="10"/>
-          </p:nvPr>
-        </p:nvSpPr>
-        <p:spPr/>
-        <p:txBody>
-          <a:bodyPr/>
-          <a:lstStyle/>
-          <a:p>
-            <a:r>
-              <a:rPr lang="en-US" dirty="0" err="1"/>
-              <a:t>Strukturerklärung</a:t>
-            </a:r>
-            <a:endParaRPr lang="en-US" dirty="0"/>
-          </a:p>
-          <a:p>
-            <a:r>
-              <a:rPr lang="en-US" dirty="0" err="1"/>
-              <a:t>Innenleben</a:t>
-            </a:r>
-            <a:r>
-              <a:rPr lang="en-US" dirty="0"/>
-              <a:t> der </a:t>
-            </a:r>
-            <a:r>
-              <a:rPr lang="en-US" dirty="0" err="1"/>
-              <a:t>modelle</a:t>
-            </a:r>
-            <a:endParaRPr lang="en-US" dirty="0"/>
-          </a:p>
-          <a:p>
-            <a:r>
-              <a:rPr lang="en-US" dirty="0" err="1"/>
-              <a:t>Übergabe-größen</a:t>
-            </a:r>
-            <a:r>
-              <a:rPr lang="en-US" dirty="0"/>
-              <a:t> (input/outputs</a:t>
-            </a:r>
-          </a:p>
-          <a:p>
-            <a:endParaRPr lang="en-DE" dirty="0"/>
-          </a:p>
-        </p:txBody>
-      </p:sp>
+          <p:cNvPicPr>
+            <a:picLocks noChangeAspect="1"/>
+          </p:cNvPicPr>
+          <p:nvPr/>
+        </p:nvPicPr>
+        <p:blipFill>
+          <a:blip r:embed="rId2"/>
+          <a:stretch>
+            <a:fillRect/>
+          </a:stretch>
+        </p:blipFill>
+        <p:spPr>
+          <a:xfrm>
+            <a:off x="5924550" y="1450011"/>
+            <a:ext cx="1943100" cy="4438650"/>
+          </a:xfrm>
+          <a:prstGeom prst="rect">
+            <a:avLst/>
+          </a:prstGeom>
+        </p:spPr>
+      </p:pic>
     </p:spTree>
     <p:extLst>
       <p:ext uri="{BB962C8B-B14F-4D97-AF65-F5344CB8AC3E}">
-        <p14:creationId xmlns:p14="http://schemas.microsoft.com/office/powerpoint/2010/main" val="1746216588"/>
+        <p14:creationId xmlns:p14="http://schemas.microsoft.com/office/powerpoint/2010/main" val="3765709100"/>
       </p:ext>
     </p:extLst>
   </p:cSld>
@@ -5868,7 +7094,7 @@
 </p:sld>
 </file>
 
-<file path=ppt/slides/slide7.xml><?xml version="1.0" encoding="utf-8"?>
+<file path=ppt/slides/slide8.xml><?xml version="1.0" encoding="utf-8"?>
 <p:sld xmlns:a="http://schemas.openxmlformats.org/drawingml/2006/main" xmlns:r="http://schemas.openxmlformats.org/officeDocument/2006/relationships" xmlns:p="http://schemas.openxmlformats.org/presentationml/2006/main">
   <p:cSld>
     <p:spTree>
@@ -5905,12 +7131,6 @@
           <a:bodyPr/>
           <a:lstStyle/>
           <a:p>
-            <a:r>
-              <a:rPr lang="de-DE" dirty="0"/>
-              <a:t>Vielen Dank für Ihre Aufmerksamkeit</a:t>
-            </a:r>
-          </a:p>
-          <a:p>
             <a:endParaRPr lang="de-DE" dirty="0"/>
           </a:p>
           <a:p>
@@ -5920,11 +7140,11 @@
             </a:r>
             <a:r>
               <a:rPr lang="de-DE" dirty="0" err="1"/>
-              <a:t>Modelica</a:t>
+              <a:t>OpenModelica</a:t>
             </a:r>
             <a:r>
               <a:rPr lang="de-DE" dirty="0"/>
-              <a:t>  </a:t>
+              <a:t>…  </a:t>
             </a:r>
           </a:p>
         </p:txBody>
@@ -5933,170 +7153,6 @@
     <p:extLst>
       <p:ext uri="{BB962C8B-B14F-4D97-AF65-F5344CB8AC3E}">
         <p14:creationId xmlns:p14="http://schemas.microsoft.com/office/powerpoint/2010/main" val="467225962"/>
-      </p:ext>
-    </p:extLst>
-  </p:cSld>
-  <p:clrMapOvr>
-    <a:masterClrMapping/>
-  </p:clrMapOvr>
-</p:sld>
-</file>
-
-<file path=ppt/slides/slide8.xml><?xml version="1.0" encoding="utf-8"?>
-<p:sld xmlns:a="http://schemas.openxmlformats.org/drawingml/2006/main" xmlns:r="http://schemas.openxmlformats.org/officeDocument/2006/relationships" xmlns:p="http://schemas.openxmlformats.org/presentationml/2006/main">
-  <p:cSld>
-    <p:spTree>
-      <p:nvGrpSpPr>
-        <p:cNvPr id="1" name=""/>
-        <p:cNvGrpSpPr/>
-        <p:nvPr/>
-      </p:nvGrpSpPr>
-      <p:grpSpPr>
-        <a:xfrm>
-          <a:off x="0" y="0"/>
-          <a:ext cx="0" cy="0"/>
-          <a:chOff x="0" y="0"/>
-          <a:chExt cx="0" cy="0"/>
-        </a:xfrm>
-      </p:grpSpPr>
-      <p:sp>
-        <p:nvSpPr>
-          <p:cNvPr id="2" name="Titel 1"/>
-          <p:cNvSpPr>
-            <a:spLocks noGrp="1"/>
-          </p:cNvSpPr>
-          <p:nvPr>
-            <p:ph type="title"/>
-          </p:nvPr>
-        </p:nvSpPr>
-        <p:spPr/>
-        <p:txBody>
-          <a:bodyPr/>
-          <a:lstStyle/>
-          <a:p>
-            <a:r>
-              <a:rPr lang="de-DE" dirty="0"/>
-              <a:t>Vergleich: Minimal / Maximal </a:t>
-            </a:r>
-          </a:p>
-        </p:txBody>
-      </p:sp>
-      <p:sp>
-        <p:nvSpPr>
-          <p:cNvPr id="3" name="Inhaltsplatzhalter 2"/>
-          <p:cNvSpPr>
-            <a:spLocks noGrp="1"/>
-          </p:cNvSpPr>
-          <p:nvPr>
-            <p:ph idx="1"/>
-          </p:nvPr>
-        </p:nvSpPr>
-        <p:spPr/>
-        <p:txBody>
-          <a:bodyPr/>
-          <a:lstStyle/>
-          <a:p>
-            <a:r>
-              <a:rPr lang="de-DE" i="1" dirty="0"/>
-              <a:t>Temperaturverläufe untereinander dargestellt </a:t>
-            </a:r>
-          </a:p>
-        </p:txBody>
-      </p:sp>
-    </p:spTree>
-    <p:extLst>
-      <p:ext uri="{BB962C8B-B14F-4D97-AF65-F5344CB8AC3E}">
-        <p14:creationId xmlns:p14="http://schemas.microsoft.com/office/powerpoint/2010/main" val="3256356926"/>
-      </p:ext>
-    </p:extLst>
-  </p:cSld>
-  <p:clrMapOvr>
-    <a:masterClrMapping/>
-  </p:clrMapOvr>
-</p:sld>
-</file>
-
-<file path=ppt/slides/slide9.xml><?xml version="1.0" encoding="utf-8"?>
-<p:sld xmlns:a="http://schemas.openxmlformats.org/drawingml/2006/main" xmlns:r="http://schemas.openxmlformats.org/officeDocument/2006/relationships" xmlns:p="http://schemas.openxmlformats.org/presentationml/2006/main">
-  <p:cSld>
-    <p:spTree>
-      <p:nvGrpSpPr>
-        <p:cNvPr id="1" name=""/>
-        <p:cNvGrpSpPr/>
-        <p:nvPr/>
-      </p:nvGrpSpPr>
-      <p:grpSpPr>
-        <a:xfrm>
-          <a:off x="0" y="0"/>
-          <a:ext cx="0" cy="0"/>
-          <a:chOff x="0" y="0"/>
-          <a:chExt cx="0" cy="0"/>
-        </a:xfrm>
-      </p:grpSpPr>
-      <p:sp>
-        <p:nvSpPr>
-          <p:cNvPr id="2" name="Titel 1"/>
-          <p:cNvSpPr>
-            <a:spLocks noGrp="1"/>
-          </p:cNvSpPr>
-          <p:nvPr>
-            <p:ph type="title"/>
-          </p:nvPr>
-        </p:nvSpPr>
-        <p:spPr/>
-        <p:txBody>
-          <a:bodyPr/>
-          <a:lstStyle/>
-          <a:p>
-            <a:r>
-              <a:rPr lang="de-DE" dirty="0"/>
-              <a:t>Vergleich: </a:t>
-            </a:r>
-            <a:r>
-              <a:rPr lang="de-DE" dirty="0" err="1"/>
-              <a:t>StandardHouse</a:t>
-            </a:r>
-            <a:r>
-              <a:rPr lang="de-DE" dirty="0"/>
-              <a:t> / </a:t>
-            </a:r>
-            <a:r>
-              <a:rPr lang="de-DE" dirty="0" err="1"/>
-              <a:t>Igloo</a:t>
-            </a:r>
-            <a:r>
-              <a:rPr lang="de-DE" dirty="0"/>
-              <a:t> </a:t>
-            </a:r>
-          </a:p>
-        </p:txBody>
-      </p:sp>
-      <p:sp>
-        <p:nvSpPr>
-          <p:cNvPr id="3" name="Inhaltsplatzhalter 2"/>
-          <p:cNvSpPr>
-            <a:spLocks noGrp="1"/>
-          </p:cNvSpPr>
-          <p:nvPr>
-            <p:ph idx="1"/>
-          </p:nvPr>
-        </p:nvSpPr>
-        <p:spPr/>
-        <p:txBody>
-          <a:bodyPr/>
-          <a:lstStyle/>
-          <a:p>
-            <a:r>
-              <a:rPr lang="de-DE" i="1" dirty="0"/>
-              <a:t>Temperaturverläufe untereinander dargestellt </a:t>
-            </a:r>
-          </a:p>
-        </p:txBody>
-      </p:sp>
-    </p:spTree>
-    <p:extLst>
-      <p:ext uri="{BB962C8B-B14F-4D97-AF65-F5344CB8AC3E}">
-        <p14:creationId xmlns:p14="http://schemas.microsoft.com/office/powerpoint/2010/main" val="285840610"/>
       </p:ext>
     </p:extLst>
   </p:cSld>
